--- a/假期作业总结.pptx
+++ b/假期作业总结.pptx
@@ -21,12 +21,12 @@
     <p:sldId id="275" r:id="rId16"/>
     <p:sldId id="282" r:id="rId17"/>
     <p:sldId id="276" r:id="rId18"/>
-    <p:sldId id="277" r:id="rId19"/>
-    <p:sldId id="278" r:id="rId20"/>
-    <p:sldId id="279" r:id="rId21"/>
-    <p:sldId id="280" r:id="rId22"/>
-    <p:sldId id="283" r:id="rId23"/>
-    <p:sldId id="291" r:id="rId24"/>
+    <p:sldId id="278" r:id="rId19"/>
+    <p:sldId id="279" r:id="rId20"/>
+    <p:sldId id="280" r:id="rId21"/>
+    <p:sldId id="283" r:id="rId22"/>
+    <p:sldId id="291" r:id="rId23"/>
+    <p:sldId id="306" r:id="rId24"/>
     <p:sldId id="292" r:id="rId25"/>
     <p:sldId id="293" r:id="rId26"/>
     <p:sldId id="294" r:id="rId27"/>
@@ -36,15 +36,13 @@
     <p:sldId id="298" r:id="rId31"/>
     <p:sldId id="299" r:id="rId32"/>
     <p:sldId id="300" r:id="rId33"/>
-    <p:sldId id="302" r:id="rId34"/>
-    <p:sldId id="303" r:id="rId35"/>
-    <p:sldId id="304" r:id="rId36"/>
-    <p:sldId id="305" r:id="rId37"/>
+    <p:sldId id="304" r:id="rId34"/>
+    <p:sldId id="305" r:id="rId35"/>
   </p:sldIdLst>
   <p:sldSz cx="12192000" cy="6858000"/>
   <p:notesSz cx="6858000" cy="9144000"/>
   <p:custDataLst>
-    <p:tags r:id="rId41"/>
+    <p:tags r:id="rId39"/>
   </p:custDataLst>
   <p:defaultTextStyle>
     <a:defPPr>
@@ -5579,7 +5577,7 @@
         </p:blipFill>
         <p:spPr>
           <a:xfrm>
-            <a:off x="5576570" y="3072130"/>
+            <a:off x="5576570" y="3429000"/>
             <a:ext cx="6192520" cy="2639060"/>
           </a:xfrm>
           <a:prstGeom prst="rect">
@@ -7724,7 +7722,7 @@
               <a:rPr lang="zh-CN" altLang="en-US" sz="2400">
                 <a:sym typeface="+mn-ea"/>
               </a:rPr>
-              <a:t>输出雅可比矩阵</a:t>
+              <a:t>求解电路方程</a:t>
             </a:r>
             <a:endParaRPr lang="zh-CN" altLang="en-US" sz="2400"/>
           </a:p>
@@ -7733,9 +7731,348 @@
           </a:p>
         </p:txBody>
       </p:sp>
+      <p:sp>
+        <p:nvSpPr>
+          <p:cNvPr id="9" name="文本框 8"/>
+          <p:cNvSpPr txBox="1"/>
+          <p:nvPr>
+            <p:custDataLst>
+              <p:tags r:id="rId1"/>
+            </p:custDataLst>
+          </p:nvPr>
+        </p:nvSpPr>
+        <p:spPr>
+          <a:xfrm>
+            <a:off x="426720" y="1291590"/>
+            <a:ext cx="11342370" cy="922020"/>
+          </a:xfrm>
+          <a:prstGeom prst="rect">
+            <a:avLst/>
+          </a:prstGeom>
+          <a:noFill/>
+        </p:spPr>
+        <p:txBody>
+          <a:bodyPr wrap="square" rtlCol="0">
+            <a:spAutoFit/>
+          </a:bodyPr>
+          <a:p>
+            <a:r>
+              <a:rPr lang="zh-CN" altLang="en-US">
+                <a:sym typeface="+mn-ea"/>
+              </a:rPr>
+              <a:t>在求解电路方程之前，需要对前面的工程做一些改进，因为前面是将方程和</a:t>
+            </a:r>
+            <a:r>
+              <a:rPr lang="en-US" altLang="zh-CN">
+                <a:sym typeface="+mn-ea"/>
+              </a:rPr>
+              <a:t>JAC</a:t>
+            </a:r>
+            <a:r>
+              <a:rPr lang="zh-CN" altLang="en-US">
+                <a:sym typeface="+mn-ea"/>
+              </a:rPr>
+              <a:t>矩阵以字符串的形式输出到文件中，但是对于求解方程，我们需要方程和</a:t>
+            </a:r>
+            <a:r>
+              <a:rPr lang="en-US" altLang="zh-CN">
+                <a:sym typeface="+mn-ea"/>
+              </a:rPr>
+              <a:t>JAC</a:t>
+            </a:r>
+            <a:r>
+              <a:rPr lang="zh-CN" altLang="en-US">
+                <a:sym typeface="+mn-ea"/>
+              </a:rPr>
+              <a:t>矩阵的具体数值。因此下面用到的方法是将这些值输出到新定义数组中，利用这些数组进行后续电路方程的</a:t>
+            </a:r>
+            <a:r>
+              <a:rPr lang="zh-CN" altLang="en-US">
+                <a:sym typeface="+mn-ea"/>
+              </a:rPr>
+              <a:t>求解。</a:t>
+            </a:r>
+            <a:endParaRPr lang="zh-CN" altLang="en-US">
+              <a:sym typeface="+mn-ea"/>
+            </a:endParaRPr>
+          </a:p>
+        </p:txBody>
+      </p:sp>
+      <p:sp>
+        <p:nvSpPr>
+          <p:cNvPr id="4" name="文本框 3"/>
+          <p:cNvSpPr txBox="1"/>
+          <p:nvPr/>
+        </p:nvSpPr>
+        <p:spPr>
+          <a:xfrm>
+            <a:off x="426720" y="2213610"/>
+            <a:ext cx="2576195" cy="368300"/>
+          </a:xfrm>
+          <a:prstGeom prst="rect">
+            <a:avLst/>
+          </a:prstGeom>
+          <a:noFill/>
+        </p:spPr>
+        <p:txBody>
+          <a:bodyPr wrap="square" rtlCol="0">
+            <a:spAutoFit/>
+          </a:bodyPr>
+          <a:p>
+            <a:r>
+              <a:rPr lang="zh-CN" altLang="en-US"/>
+              <a:t>新增数组</a:t>
+            </a:r>
+            <a:r>
+              <a:rPr lang="zh-CN" altLang="en-US"/>
+              <a:t>变量如下</a:t>
+            </a:r>
+            <a:endParaRPr lang="zh-CN" altLang="en-US"/>
+          </a:p>
+        </p:txBody>
+      </p:sp>
+      <p:sp>
+        <p:nvSpPr>
+          <p:cNvPr id="5" name="文本框 4"/>
+          <p:cNvSpPr txBox="1"/>
+          <p:nvPr/>
+        </p:nvSpPr>
+        <p:spPr>
+          <a:xfrm>
+            <a:off x="426720" y="3211195"/>
+            <a:ext cx="10488295" cy="1618615"/>
+          </a:xfrm>
+          <a:prstGeom prst="rect">
+            <a:avLst/>
+          </a:prstGeom>
+          <a:noFill/>
+        </p:spPr>
+        <p:txBody>
+          <a:bodyPr wrap="square" rtlCol="0">
+            <a:noAutofit/>
+          </a:bodyPr>
+          <a:p>
+            <a:pPr indent="0" fontAlgn="auto">
+              <a:lnSpc>
+                <a:spcPct val="150000"/>
+              </a:lnSpc>
+            </a:pPr>
+            <a:r>
+              <a:rPr lang="en-US" altLang="zh-CN"/>
+              <a:t>nodeValue</a:t>
+            </a:r>
+            <a:r>
+              <a:rPr lang="zh-CN" altLang="en-US"/>
+              <a:t>用来存放未知量的值</a:t>
+            </a:r>
+            <a:r>
+              <a:rPr lang="en-US" altLang="zh-CN"/>
+              <a:t>x(1)</a:t>
+            </a:r>
+            <a:r>
+              <a:rPr lang="zh-CN" altLang="en-US"/>
+              <a:t>、</a:t>
+            </a:r>
+            <a:r>
+              <a:rPr lang="en-US" altLang="zh-CN"/>
+              <a:t>x(2)</a:t>
+            </a:r>
+            <a:r>
+              <a:rPr lang="zh-CN" altLang="en-US"/>
+              <a:t>、</a:t>
+            </a:r>
+            <a:r>
+              <a:rPr lang="en-US" altLang="zh-CN"/>
+              <a:t>……</a:t>
+            </a:r>
+            <a:r>
+              <a:rPr lang="zh-CN" altLang="en-US"/>
+              <a:t>、</a:t>
+            </a:r>
+            <a:r>
+              <a:rPr lang="en-US" altLang="zh-CN"/>
+              <a:t>x(n)</a:t>
+            </a:r>
+            <a:r>
+              <a:rPr lang="zh-CN" altLang="en-US"/>
+              <a:t>，初始化未知量即初始化</a:t>
+            </a:r>
+            <a:r>
+              <a:rPr lang="zh-CN" altLang="en-US"/>
+              <a:t>该数组。</a:t>
+            </a:r>
+            <a:endParaRPr lang="zh-CN" altLang="en-US"/>
+          </a:p>
+          <a:p>
+            <a:pPr indent="0" fontAlgn="auto">
+              <a:lnSpc>
+                <a:spcPct val="150000"/>
+              </a:lnSpc>
+            </a:pPr>
+            <a:r>
+              <a:rPr lang="en-US" altLang="zh-CN"/>
+              <a:t>jacMat</a:t>
+            </a:r>
+            <a:r>
+              <a:rPr lang="zh-CN" altLang="en-US"/>
+              <a:t>是存放雅可比矩阵的</a:t>
+            </a:r>
+            <a:r>
+              <a:rPr lang="zh-CN" altLang="en-US"/>
+              <a:t>二维数组。</a:t>
+            </a:r>
+            <a:endParaRPr lang="zh-CN" altLang="en-US"/>
+          </a:p>
+          <a:p>
+            <a:pPr indent="0" fontAlgn="auto">
+              <a:lnSpc>
+                <a:spcPct val="150000"/>
+              </a:lnSpc>
+            </a:pPr>
+            <a:r>
+              <a:rPr lang="en-US" altLang="zh-CN"/>
+              <a:t>result</a:t>
+            </a:r>
+            <a:r>
+              <a:rPr lang="zh-CN" altLang="en-US"/>
+              <a:t>是存函数值的数组，有</a:t>
+            </a:r>
+            <a:r>
+              <a:rPr lang="zh-CN" altLang="en-US"/>
+              <a:t>多少个方程就有多少个</a:t>
+            </a:r>
+            <a:r>
+              <a:rPr lang="zh-CN" altLang="en-US"/>
+              <a:t>函数值。</a:t>
+            </a:r>
+            <a:endParaRPr lang="zh-CN" altLang="en-US"/>
+          </a:p>
+          <a:p>
+            <a:pPr indent="0" fontAlgn="auto">
+              <a:lnSpc>
+                <a:spcPct val="150000"/>
+              </a:lnSpc>
+            </a:pPr>
+            <a:r>
+              <a:rPr lang="en-US" altLang="zh-CN"/>
+              <a:t>minDert</a:t>
+            </a:r>
+            <a:r>
+              <a:rPr lang="zh-CN" altLang="en-US"/>
+              <a:t>存放的是每次迭代的</a:t>
+            </a:r>
+            <a:r>
+              <a:rPr lang="en-US" altLang="zh-CN"/>
+              <a:t>       </a:t>
+            </a:r>
+            <a:r>
+              <a:rPr lang="zh-CN" altLang="en-US"/>
+              <a:t>值。</a:t>
+            </a:r>
+            <a:endParaRPr lang="zh-CN" altLang="en-US"/>
+          </a:p>
+          <a:p>
+            <a:pPr indent="0" fontAlgn="auto">
+              <a:lnSpc>
+                <a:spcPct val="150000"/>
+              </a:lnSpc>
+            </a:pPr>
+            <a:r>
+              <a:rPr lang="en-US" altLang="zh-CN"/>
+              <a:t>g</a:t>
+            </a:r>
+            <a:r>
+              <a:rPr lang="zh-CN" altLang="en-US"/>
+              <a:t>是同伦法中构造同伦函数用到的</a:t>
+            </a:r>
+            <a:r>
+              <a:rPr lang="zh-CN" altLang="en-US"/>
+              <a:t>函数。</a:t>
+            </a:r>
+            <a:endParaRPr lang="zh-CN" altLang="en-US"/>
+          </a:p>
+        </p:txBody>
+      </p:sp>
+      <p:graphicFrame>
+        <p:nvGraphicFramePr>
+          <p:cNvPr id="6" name="对象 5">
+            <a:hlinkClick r:id="" action="ppaction://ole?verb="/>
+          </p:cNvPr>
+          <p:cNvGraphicFramePr>
+            <a:graphicFrameLocks noChangeAspect="1"/>
+          </p:cNvGraphicFramePr>
+          <p:nvPr/>
+        </p:nvGraphicFramePr>
+        <p:xfrm>
+          <a:off x="3426460" y="4608000"/>
+          <a:ext cx="369570" cy="267335"/>
+        </p:xfrm>
+        <a:graphic>
+          <a:graphicData uri="http://schemas.openxmlformats.org/presentationml/2006/ole">
+            <mc:AlternateContent xmlns:mc="http://schemas.openxmlformats.org/markup-compatibility/2006">
+              <mc:Choice xmlns:v="urn:schemas-microsoft-com:vml" Requires="v">
+                <p:oleObj spid="_x0000_s2049" name="" r:id="rId2" imgW="228600" imgH="165100" progId="Equation.KSEE3">
+                  <p:embed/>
+                </p:oleObj>
+              </mc:Choice>
+              <mc:Fallback>
+                <p:oleObj name="" r:id="rId2" imgW="228600" imgH="165100" progId="Equation.KSEE3">
+                  <p:embed/>
+                  <p:pic>
+                    <p:nvPicPr>
+                      <p:cNvPr id="0" name="图片 2048"/>
+                      <p:cNvPicPr/>
+                      <p:nvPr/>
+                    </p:nvPicPr>
+                    <p:blipFill>
+                      <a:blip r:embed="rId3"/>
+                      <a:stretch>
+                        <a:fillRect/>
+                      </a:stretch>
+                    </p:blipFill>
+                    <p:spPr>
+                      <a:xfrm>
+                        <a:off x="3426460" y="4608000"/>
+                        <a:ext cx="369570" cy="267335"/>
+                      </a:xfrm>
+                      <a:prstGeom prst="rect">
+                        <a:avLst/>
+                      </a:prstGeom>
+                    </p:spPr>
+                  </p:pic>
+                </p:oleObj>
+              </mc:Fallback>
+            </mc:AlternateContent>
+          </a:graphicData>
+        </a:graphic>
+      </p:graphicFrame>
+      <p:pic>
+        <p:nvPicPr>
+          <p:cNvPr id="2" name="图片 1" descr="QQ截图20230911224702"/>
+          <p:cNvPicPr>
+            <a:picLocks noChangeAspect="1"/>
+          </p:cNvPicPr>
+          <p:nvPr/>
+        </p:nvPicPr>
+        <p:blipFill>
+          <a:blip r:embed="rId4"/>
+          <a:stretch>
+            <a:fillRect/>
+          </a:stretch>
+        </p:blipFill>
+        <p:spPr>
+          <a:xfrm>
+            <a:off x="426720" y="2772000"/>
+            <a:ext cx="11249660" cy="251460"/>
+          </a:xfrm>
+          <a:prstGeom prst="rect">
+            <a:avLst/>
+          </a:prstGeom>
+        </p:spPr>
+      </p:pic>
     </p:spTree>
     <p:custDataLst>
-      <p:tags r:id="rId1"/>
+      <p:tags r:id="rId5"/>
     </p:custDataLst>
   </p:cSld>
   <p:clrMapOvr>
@@ -7829,418 +8166,6 @@
           <a:p>
             <a:endParaRPr lang="zh-CN" altLang="en-US" sz="2400"/>
           </a:p>
-        </p:txBody>
-      </p:sp>
-      <p:sp>
-        <p:nvSpPr>
-          <p:cNvPr id="9" name="文本框 8"/>
-          <p:cNvSpPr txBox="1"/>
-          <p:nvPr>
-            <p:custDataLst>
-              <p:tags r:id="rId1"/>
-            </p:custDataLst>
-          </p:nvPr>
-        </p:nvSpPr>
-        <p:spPr>
-          <a:xfrm>
-            <a:off x="426720" y="1291590"/>
-            <a:ext cx="11342370" cy="922020"/>
-          </a:xfrm>
-          <a:prstGeom prst="rect">
-            <a:avLst/>
-          </a:prstGeom>
-          <a:noFill/>
-        </p:spPr>
-        <p:txBody>
-          <a:bodyPr wrap="square" rtlCol="0">
-            <a:spAutoFit/>
-          </a:bodyPr>
-          <a:p>
-            <a:r>
-              <a:rPr lang="zh-CN" altLang="en-US">
-                <a:sym typeface="+mn-ea"/>
-              </a:rPr>
-              <a:t>在求解电路方程之前，需要对前面的工程做一些改进，因为前面是将方程和</a:t>
-            </a:r>
-            <a:r>
-              <a:rPr lang="en-US" altLang="zh-CN">
-                <a:sym typeface="+mn-ea"/>
-              </a:rPr>
-              <a:t>JAC</a:t>
-            </a:r>
-            <a:r>
-              <a:rPr lang="zh-CN" altLang="en-US">
-                <a:sym typeface="+mn-ea"/>
-              </a:rPr>
-              <a:t>矩阵以字符串的形式输出到文件中，但是对于求解方程，我们需要方程和</a:t>
-            </a:r>
-            <a:r>
-              <a:rPr lang="en-US" altLang="zh-CN">
-                <a:sym typeface="+mn-ea"/>
-              </a:rPr>
-              <a:t>JAC</a:t>
-            </a:r>
-            <a:r>
-              <a:rPr lang="zh-CN" altLang="en-US">
-                <a:sym typeface="+mn-ea"/>
-              </a:rPr>
-              <a:t>矩阵的具体数值。因此下面用到的方法是将这些值输出到新定义数组中，利用这些数组进行后续电路方程的</a:t>
-            </a:r>
-            <a:r>
-              <a:rPr lang="zh-CN" altLang="en-US">
-                <a:sym typeface="+mn-ea"/>
-              </a:rPr>
-              <a:t>求解。</a:t>
-            </a:r>
-            <a:endParaRPr lang="zh-CN" altLang="en-US">
-              <a:sym typeface="+mn-ea"/>
-            </a:endParaRPr>
-          </a:p>
-        </p:txBody>
-      </p:sp>
-      <p:pic>
-        <p:nvPicPr>
-          <p:cNvPr id="3" name="图片 2" descr="QQ截图20230907194523"/>
-          <p:cNvPicPr>
-            <a:picLocks noChangeAspect="1"/>
-          </p:cNvPicPr>
-          <p:nvPr/>
-        </p:nvPicPr>
-        <p:blipFill>
-          <a:blip r:embed="rId2"/>
-          <a:stretch>
-            <a:fillRect/>
-          </a:stretch>
-        </p:blipFill>
-        <p:spPr>
-          <a:xfrm>
-            <a:off x="426720" y="2555240"/>
-            <a:ext cx="11214735" cy="269240"/>
-          </a:xfrm>
-          <a:prstGeom prst="rect">
-            <a:avLst/>
-          </a:prstGeom>
-        </p:spPr>
-      </p:pic>
-      <p:sp>
-        <p:nvSpPr>
-          <p:cNvPr id="4" name="文本框 3"/>
-          <p:cNvSpPr txBox="1"/>
-          <p:nvPr/>
-        </p:nvSpPr>
-        <p:spPr>
-          <a:xfrm>
-            <a:off x="426720" y="2213610"/>
-            <a:ext cx="2576195" cy="368300"/>
-          </a:xfrm>
-          <a:prstGeom prst="rect">
-            <a:avLst/>
-          </a:prstGeom>
-          <a:noFill/>
-        </p:spPr>
-        <p:txBody>
-          <a:bodyPr wrap="square" rtlCol="0">
-            <a:spAutoFit/>
-          </a:bodyPr>
-          <a:p>
-            <a:r>
-              <a:rPr lang="zh-CN" altLang="en-US"/>
-              <a:t>新增数组</a:t>
-            </a:r>
-            <a:r>
-              <a:rPr lang="zh-CN" altLang="en-US"/>
-              <a:t>变量如下</a:t>
-            </a:r>
-            <a:endParaRPr lang="zh-CN" altLang="en-US"/>
-          </a:p>
-        </p:txBody>
-      </p:sp>
-      <p:sp>
-        <p:nvSpPr>
-          <p:cNvPr id="5" name="文本框 4"/>
-          <p:cNvSpPr txBox="1"/>
-          <p:nvPr/>
-        </p:nvSpPr>
-        <p:spPr>
-          <a:xfrm>
-            <a:off x="426720" y="2932430"/>
-            <a:ext cx="10488295" cy="1618615"/>
-          </a:xfrm>
-          <a:prstGeom prst="rect">
-            <a:avLst/>
-          </a:prstGeom>
-          <a:noFill/>
-        </p:spPr>
-        <p:txBody>
-          <a:bodyPr wrap="square" rtlCol="0">
-            <a:noAutofit/>
-          </a:bodyPr>
-          <a:p>
-            <a:r>
-              <a:rPr lang="en-US" altLang="zh-CN"/>
-              <a:t>nodeValue</a:t>
-            </a:r>
-            <a:r>
-              <a:rPr lang="zh-CN" altLang="en-US"/>
-              <a:t>用来存放未知量的值</a:t>
-            </a:r>
-            <a:r>
-              <a:rPr lang="en-US" altLang="zh-CN"/>
-              <a:t>x(1)</a:t>
-            </a:r>
-            <a:r>
-              <a:rPr lang="zh-CN" altLang="en-US"/>
-              <a:t>、</a:t>
-            </a:r>
-            <a:r>
-              <a:rPr lang="en-US" altLang="zh-CN"/>
-              <a:t>x(2)</a:t>
-            </a:r>
-            <a:r>
-              <a:rPr lang="zh-CN" altLang="en-US"/>
-              <a:t>、</a:t>
-            </a:r>
-            <a:r>
-              <a:rPr lang="en-US" altLang="zh-CN"/>
-              <a:t>……</a:t>
-            </a:r>
-            <a:r>
-              <a:rPr lang="zh-CN" altLang="en-US"/>
-              <a:t>、</a:t>
-            </a:r>
-            <a:r>
-              <a:rPr lang="en-US" altLang="zh-CN"/>
-              <a:t>x(n)</a:t>
-            </a:r>
-            <a:r>
-              <a:rPr lang="zh-CN" altLang="en-US"/>
-              <a:t>，初始化未知量即初始化</a:t>
-            </a:r>
-            <a:r>
-              <a:rPr lang="zh-CN" altLang="en-US"/>
-              <a:t>这个数组。</a:t>
-            </a:r>
-            <a:endParaRPr lang="zh-CN" altLang="en-US"/>
-          </a:p>
-          <a:p>
-            <a:r>
-              <a:rPr lang="en-US" altLang="zh-CN"/>
-              <a:t>jacMat</a:t>
-            </a:r>
-            <a:r>
-              <a:rPr lang="zh-CN" altLang="en-US"/>
-              <a:t>是存放雅可比矩阵的</a:t>
-            </a:r>
-            <a:r>
-              <a:rPr lang="zh-CN" altLang="en-US"/>
-              <a:t>二维数组。</a:t>
-            </a:r>
-            <a:endParaRPr lang="zh-CN" altLang="en-US"/>
-          </a:p>
-          <a:p>
-            <a:r>
-              <a:rPr lang="en-US" altLang="zh-CN"/>
-              <a:t>result</a:t>
-            </a:r>
-            <a:r>
-              <a:rPr lang="zh-CN" altLang="en-US"/>
-              <a:t>是存函数值的数组，有</a:t>
-            </a:r>
-            <a:r>
-              <a:rPr lang="zh-CN" altLang="en-US"/>
-              <a:t>多少个方程就有多少个</a:t>
-            </a:r>
-            <a:r>
-              <a:rPr lang="zh-CN" altLang="en-US"/>
-              <a:t>函数值。</a:t>
-            </a:r>
-            <a:endParaRPr lang="zh-CN" altLang="en-US"/>
-          </a:p>
-          <a:p>
-            <a:r>
-              <a:rPr lang="en-US" altLang="zh-CN"/>
-              <a:t>minDert</a:t>
-            </a:r>
-            <a:r>
-              <a:rPr lang="zh-CN" altLang="en-US"/>
-              <a:t>存放的是每次迭代的</a:t>
-            </a:r>
-            <a:r>
-              <a:rPr lang="en-US" altLang="zh-CN"/>
-              <a:t>       </a:t>
-            </a:r>
-            <a:r>
-              <a:rPr lang="zh-CN" altLang="en-US"/>
-              <a:t>值。</a:t>
-            </a:r>
-            <a:endParaRPr lang="zh-CN" altLang="en-US"/>
-          </a:p>
-          <a:p>
-            <a:r>
-              <a:rPr lang="en-US" altLang="zh-CN"/>
-              <a:t>result1</a:t>
-            </a:r>
-            <a:r>
-              <a:rPr lang="zh-CN" altLang="en-US"/>
-              <a:t>是一个中间数存储</a:t>
-            </a:r>
-            <a:r>
-              <a:rPr lang="zh-CN" altLang="en-US"/>
-              <a:t>区。</a:t>
-            </a:r>
-            <a:endParaRPr lang="zh-CN" altLang="en-US"/>
-          </a:p>
-        </p:txBody>
-      </p:sp>
-      <p:graphicFrame>
-        <p:nvGraphicFramePr>
-          <p:cNvPr id="6" name="对象 5">
-            <a:hlinkClick r:id="" action="ppaction://ole?verb="/>
-          </p:cNvPr>
-          <p:cNvGraphicFramePr>
-            <a:graphicFrameLocks noChangeAspect="1"/>
-          </p:cNvGraphicFramePr>
-          <p:nvPr/>
-        </p:nvGraphicFramePr>
-        <p:xfrm>
-          <a:off x="3497580" y="3799205"/>
-          <a:ext cx="369570" cy="267335"/>
-        </p:xfrm>
-        <a:graphic>
-          <a:graphicData uri="http://schemas.openxmlformats.org/presentationml/2006/ole">
-            <mc:AlternateContent xmlns:mc="http://schemas.openxmlformats.org/markup-compatibility/2006">
-              <mc:Choice xmlns:v="urn:schemas-microsoft-com:vml" Requires="v">
-                <p:oleObj spid="_x0000_s2049" name="" r:id="rId3" imgW="228600" imgH="165100" progId="Equation.KSEE3">
-                  <p:embed/>
-                </p:oleObj>
-              </mc:Choice>
-              <mc:Fallback>
-                <p:oleObj name="" r:id="rId3" imgW="228600" imgH="165100" progId="Equation.KSEE3">
-                  <p:embed/>
-                  <p:pic>
-                    <p:nvPicPr>
-                      <p:cNvPr id="0" name="图片 2048"/>
-                      <p:cNvPicPr/>
-                      <p:nvPr/>
-                    </p:nvPicPr>
-                    <p:blipFill>
-                      <a:blip r:embed="rId4"/>
-                      <a:stretch>
-                        <a:fillRect/>
-                      </a:stretch>
-                    </p:blipFill>
-                    <p:spPr>
-                      <a:xfrm>
-                        <a:off x="3497580" y="3799205"/>
-                        <a:ext cx="369570" cy="267335"/>
-                      </a:xfrm>
-                      <a:prstGeom prst="rect">
-                        <a:avLst/>
-                      </a:prstGeom>
-                    </p:spPr>
-                  </p:pic>
-                </p:oleObj>
-              </mc:Fallback>
-            </mc:AlternateContent>
-          </a:graphicData>
-        </a:graphic>
-      </p:graphicFrame>
-    </p:spTree>
-    <p:custDataLst>
-      <p:tags r:id="rId5"/>
-    </p:custDataLst>
-  </p:cSld>
-  <p:clrMapOvr>
-    <a:masterClrMapping/>
-  </p:clrMapOvr>
-</p:sld>
-</file>
-
-<file path=ppt/slides/slide19.xml><?xml version="1.0" encoding="utf-8"?>
-<p:sld xmlns:a="http://schemas.openxmlformats.org/drawingml/2006/main" xmlns:r="http://schemas.openxmlformats.org/officeDocument/2006/relationships" xmlns:p="http://schemas.openxmlformats.org/presentationml/2006/main">
-  <p:cSld>
-    <p:bg>
-      <p:bgPr>
-        <a:noFill/>
-        <a:effectLst/>
-      </p:bgPr>
-    </p:bg>
-    <p:spTree>
-      <p:nvGrpSpPr>
-        <p:cNvPr id="1" name=""/>
-        <p:cNvGrpSpPr/>
-        <p:nvPr/>
-      </p:nvGrpSpPr>
-      <p:grpSpPr>
-        <a:xfrm>
-          <a:off x="0" y="0"/>
-          <a:ext cx="0" cy="0"/>
-          <a:chOff x="0" y="0"/>
-          <a:chExt cx="0" cy="0"/>
-        </a:xfrm>
-      </p:grpSpPr>
-      <p:cxnSp>
-        <p:nvCxnSpPr>
-          <p:cNvPr id="7" name="直接连接符 6"/>
-          <p:cNvCxnSpPr/>
-          <p:nvPr/>
-        </p:nvCxnSpPr>
-        <p:spPr>
-          <a:xfrm flipV="1">
-            <a:off x="356870" y="936000"/>
-            <a:ext cx="11412000" cy="9525"/>
-          </a:xfrm>
-          <a:prstGeom prst="line">
-            <a:avLst/>
-          </a:prstGeom>
-        </p:spPr>
-        <p:style>
-          <a:lnRef idx="1">
-            <a:schemeClr val="dk1"/>
-          </a:lnRef>
-          <a:fillRef idx="0">
-            <a:schemeClr val="dk1"/>
-          </a:fillRef>
-          <a:effectRef idx="0">
-            <a:schemeClr val="dk1"/>
-          </a:effectRef>
-          <a:fontRef idx="minor">
-            <a:schemeClr val="tx1"/>
-          </a:fontRef>
-        </p:style>
-      </p:cxnSp>
-      <p:sp>
-        <p:nvSpPr>
-          <p:cNvPr id="8" name="文本框 7"/>
-          <p:cNvSpPr txBox="1"/>
-          <p:nvPr/>
-        </p:nvSpPr>
-        <p:spPr>
-          <a:xfrm>
-            <a:off x="426720" y="308610"/>
-            <a:ext cx="6369685" cy="641350"/>
-          </a:xfrm>
-          <a:prstGeom prst="rect">
-            <a:avLst/>
-          </a:prstGeom>
-          <a:noFill/>
-        </p:spPr>
-        <p:txBody>
-          <a:bodyPr wrap="square" rtlCol="0">
-            <a:noAutofit/>
-          </a:bodyPr>
-          <a:p>
-            <a:r>
-              <a:rPr lang="zh-CN" altLang="en-US" sz="2400">
-                <a:sym typeface="+mn-ea"/>
-              </a:rPr>
-              <a:t>求解电路方程</a:t>
-            </a:r>
-            <a:endParaRPr lang="zh-CN" altLang="en-US" sz="2400"/>
-          </a:p>
-          <a:p>
-            <a:endParaRPr lang="zh-CN" altLang="en-US" sz="2400"/>
-          </a:p>
           <a:p>
             <a:endParaRPr lang="zh-CN" altLang="en-US" sz="2400"/>
           </a:p>
@@ -8411,96 +8336,7 @@
 </p:sld>
 </file>
 
-<file path=ppt/slides/slide2.xml><?xml version="1.0" encoding="utf-8"?>
-<p:sld xmlns:a="http://schemas.openxmlformats.org/drawingml/2006/main" xmlns:r="http://schemas.openxmlformats.org/officeDocument/2006/relationships" xmlns:p="http://schemas.openxmlformats.org/presentationml/2006/main">
-  <p:cSld>
-    <p:bg>
-      <p:bgPr>
-        <a:noFill/>
-        <a:effectLst/>
-      </p:bgPr>
-    </p:bg>
-    <p:spTree>
-      <p:nvGrpSpPr>
-        <p:cNvPr id="1" name=""/>
-        <p:cNvGrpSpPr/>
-        <p:nvPr/>
-      </p:nvGrpSpPr>
-      <p:grpSpPr>
-        <a:xfrm>
-          <a:off x="0" y="0"/>
-          <a:ext cx="0" cy="0"/>
-          <a:chOff x="0" y="0"/>
-          <a:chExt cx="0" cy="0"/>
-        </a:xfrm>
-      </p:grpSpPr>
-      <p:sp>
-        <p:nvSpPr>
-          <p:cNvPr id="6" name="文本框 5"/>
-          <p:cNvSpPr txBox="1"/>
-          <p:nvPr/>
-        </p:nvSpPr>
-        <p:spPr>
-          <a:xfrm>
-            <a:off x="3034030" y="1253490"/>
-            <a:ext cx="7813675" cy="922020"/>
-          </a:xfrm>
-          <a:prstGeom prst="rect">
-            <a:avLst/>
-          </a:prstGeom>
-          <a:noFill/>
-        </p:spPr>
-        <p:txBody>
-          <a:bodyPr wrap="square" rtlCol="0">
-            <a:spAutoFit/>
-          </a:bodyPr>
-          <a:p>
-            <a:r>
-              <a:rPr lang="zh-CN" altLang="en-US"/>
-              <a:t>一、将网表文件的信息存储到</a:t>
-            </a:r>
-            <a:r>
-              <a:rPr lang="zh-CN" altLang="en-US"/>
-              <a:t>数据结构</a:t>
-            </a:r>
-            <a:endParaRPr lang="zh-CN" altLang="en-US"/>
-          </a:p>
-          <a:p>
-            <a:r>
-              <a:rPr lang="zh-CN" altLang="en-US"/>
-              <a:t>二、建立电路方程和雅可比</a:t>
-            </a:r>
-            <a:r>
-              <a:rPr lang="zh-CN" altLang="en-US"/>
-              <a:t>矩阵</a:t>
-            </a:r>
-            <a:endParaRPr lang="zh-CN" altLang="en-US"/>
-          </a:p>
-          <a:p>
-            <a:r>
-              <a:rPr lang="zh-CN" altLang="en-US"/>
-              <a:t>三、求解电路</a:t>
-            </a:r>
-            <a:r>
-              <a:rPr lang="zh-CN" altLang="en-US"/>
-              <a:t>方程</a:t>
-            </a:r>
-            <a:endParaRPr lang="zh-CN" altLang="en-US"/>
-          </a:p>
-        </p:txBody>
-      </p:sp>
-    </p:spTree>
-    <p:custDataLst>
-      <p:tags r:id="rId1"/>
-    </p:custDataLst>
-  </p:cSld>
-  <p:clrMapOvr>
-    <a:masterClrMapping/>
-  </p:clrMapOvr>
-</p:sld>
-</file>
-
-<file path=ppt/slides/slide20.xml><?xml version="1.0" encoding="utf-8"?>
+<file path=ppt/slides/slide19.xml><?xml version="1.0" encoding="utf-8"?>
 <p:sld xmlns:a="http://schemas.openxmlformats.org/drawingml/2006/main" xmlns:r="http://schemas.openxmlformats.org/officeDocument/2006/relationships" xmlns:p="http://schemas.openxmlformats.org/presentationml/2006/main">
   <p:cSld>
     <p:bg>
@@ -9105,7 +8941,155 @@
 </p:sld>
 </file>
 
-<file path=ppt/slides/slide21.xml><?xml version="1.0" encoding="utf-8"?>
+<file path=ppt/slides/slide2.xml><?xml version="1.0" encoding="utf-8"?>
+<p:sld xmlns:a="http://schemas.openxmlformats.org/drawingml/2006/main" xmlns:r="http://schemas.openxmlformats.org/officeDocument/2006/relationships" xmlns:p="http://schemas.openxmlformats.org/presentationml/2006/main">
+  <p:cSld>
+    <p:bg>
+      <p:bgPr>
+        <a:noFill/>
+        <a:effectLst/>
+      </p:bgPr>
+    </p:bg>
+    <p:spTree>
+      <p:nvGrpSpPr>
+        <p:cNvPr id="1" name=""/>
+        <p:cNvGrpSpPr/>
+        <p:nvPr/>
+      </p:nvGrpSpPr>
+      <p:grpSpPr>
+        <a:xfrm>
+          <a:off x="0" y="0"/>
+          <a:ext cx="0" cy="0"/>
+          <a:chOff x="0" y="0"/>
+          <a:chExt cx="0" cy="0"/>
+        </a:xfrm>
+      </p:grpSpPr>
+      <p:sp>
+        <p:nvSpPr>
+          <p:cNvPr id="6" name="文本框 5"/>
+          <p:cNvSpPr txBox="1"/>
+          <p:nvPr/>
+        </p:nvSpPr>
+        <p:spPr>
+          <a:xfrm>
+            <a:off x="1923415" y="1967865"/>
+            <a:ext cx="7813675" cy="2553335"/>
+          </a:xfrm>
+          <a:prstGeom prst="rect">
+            <a:avLst/>
+          </a:prstGeom>
+          <a:noFill/>
+        </p:spPr>
+        <p:txBody>
+          <a:bodyPr wrap="square" rtlCol="0">
+            <a:spAutoFit/>
+          </a:bodyPr>
+          <a:p>
+            <a:r>
+              <a:rPr lang="zh-CN" altLang="en-US" sz="3200"/>
+              <a:t>一、将网表文件的信息存储到</a:t>
+            </a:r>
+            <a:r>
+              <a:rPr lang="zh-CN" altLang="en-US" sz="3200"/>
+              <a:t>数据结构</a:t>
+            </a:r>
+            <a:endParaRPr lang="zh-CN" altLang="en-US" sz="3200"/>
+          </a:p>
+          <a:p>
+            <a:endParaRPr lang="zh-CN" altLang="en-US" sz="3200"/>
+          </a:p>
+          <a:p>
+            <a:r>
+              <a:rPr lang="zh-CN" altLang="en-US" sz="3200"/>
+              <a:t>二、建立电路方程和雅可比矩阵</a:t>
+            </a:r>
+            <a:endParaRPr lang="zh-CN" altLang="en-US" sz="3200"/>
+          </a:p>
+          <a:p>
+            <a:endParaRPr lang="zh-CN" altLang="en-US" sz="3200"/>
+          </a:p>
+          <a:p>
+            <a:r>
+              <a:rPr lang="zh-CN" altLang="en-US" sz="3200"/>
+              <a:t>三、求解电路</a:t>
+            </a:r>
+            <a:r>
+              <a:rPr lang="zh-CN" altLang="en-US" sz="3200"/>
+              <a:t>方程</a:t>
+            </a:r>
+            <a:endParaRPr lang="zh-CN" altLang="en-US" sz="3200"/>
+          </a:p>
+        </p:txBody>
+      </p:sp>
+      <p:sp>
+        <p:nvSpPr>
+          <p:cNvPr id="2" name="文本框 1"/>
+          <p:cNvSpPr txBox="1"/>
+          <p:nvPr/>
+        </p:nvSpPr>
+        <p:spPr>
+          <a:xfrm>
+            <a:off x="1294130" y="889635"/>
+            <a:ext cx="9603740" cy="645160"/>
+          </a:xfrm>
+          <a:prstGeom prst="rect">
+            <a:avLst/>
+          </a:prstGeom>
+          <a:noFill/>
+        </p:spPr>
+        <p:txBody>
+          <a:bodyPr wrap="square" rtlCol="0">
+            <a:spAutoFit/>
+          </a:bodyPr>
+          <a:p>
+            <a:r>
+              <a:rPr lang="en-US" altLang="zh-CN"/>
+              <a:t>parser</a:t>
+            </a:r>
+            <a:r>
+              <a:rPr lang="zh-CN" altLang="en-US"/>
+              <a:t>项目主要涉及以下三个阶段，本次</a:t>
+            </a:r>
+            <a:r>
+              <a:rPr lang="en-US" altLang="zh-CN"/>
+              <a:t>PPT</a:t>
+            </a:r>
+            <a:r>
+              <a:rPr lang="zh-CN" altLang="en-US"/>
+              <a:t>我主要针对每个部分的原理结合代码进行说明，</a:t>
+            </a:r>
+            <a:r>
+              <a:rPr lang="zh-CN" altLang="en-US"/>
+              <a:t>浅谈我的理解，</a:t>
+            </a:r>
+            <a:r>
+              <a:rPr lang="zh-CN" altLang="en-US"/>
+              <a:t>帮助我梳理一下</a:t>
+            </a:r>
+            <a:r>
+              <a:rPr lang="zh-CN" altLang="en-US"/>
+              <a:t>思路。最后进行了</a:t>
+            </a:r>
+            <a:r>
+              <a:rPr lang="zh-CN" altLang="en-US"/>
+              <a:t>结果展示。</a:t>
+            </a:r>
+            <a:endParaRPr lang="zh-CN" altLang="en-US"/>
+          </a:p>
+        </p:txBody>
+      </p:sp>
+    </p:spTree>
+    <p:custDataLst>
+      <p:tags r:id="rId1"/>
+    </p:custDataLst>
+  </p:cSld>
+  <p:clrMapOvr>
+    <a:masterClrMapping/>
+  </p:clrMapOvr>
+</p:sld>
+</file>
+
+<file path=ppt/slides/slide20.xml><?xml version="1.0" encoding="utf-8"?>
 <p:sld xmlns:a="http://schemas.openxmlformats.org/drawingml/2006/main" xmlns:r="http://schemas.openxmlformats.org/officeDocument/2006/relationships" xmlns:p="http://schemas.openxmlformats.org/presentationml/2006/main">
   <p:cSld>
     <p:bg>
@@ -9998,6 +9982,372 @@
 </p:sld>
 </file>
 
+<file path=ppt/slides/slide21.xml><?xml version="1.0" encoding="utf-8"?>
+<p:sld xmlns:a="http://schemas.openxmlformats.org/drawingml/2006/main" xmlns:r="http://schemas.openxmlformats.org/officeDocument/2006/relationships" xmlns:p="http://schemas.openxmlformats.org/presentationml/2006/main">
+  <p:cSld>
+    <p:bg>
+      <p:bgPr>
+        <a:noFill/>
+        <a:effectLst/>
+      </p:bgPr>
+    </p:bg>
+    <p:spTree>
+      <p:nvGrpSpPr>
+        <p:cNvPr id="1" name=""/>
+        <p:cNvGrpSpPr/>
+        <p:nvPr/>
+      </p:nvGrpSpPr>
+      <p:grpSpPr>
+        <a:xfrm>
+          <a:off x="0" y="0"/>
+          <a:ext cx="0" cy="0"/>
+          <a:chOff x="0" y="0"/>
+          <a:chExt cx="0" cy="0"/>
+        </a:xfrm>
+      </p:grpSpPr>
+      <p:cxnSp>
+        <p:nvCxnSpPr>
+          <p:cNvPr id="7" name="直接连接符 6"/>
+          <p:cNvCxnSpPr/>
+          <p:nvPr/>
+        </p:nvCxnSpPr>
+        <p:spPr>
+          <a:xfrm flipV="1">
+            <a:off x="356870" y="936000"/>
+            <a:ext cx="11412000" cy="9525"/>
+          </a:xfrm>
+          <a:prstGeom prst="line">
+            <a:avLst/>
+          </a:prstGeom>
+        </p:spPr>
+        <p:style>
+          <a:lnRef idx="1">
+            <a:schemeClr val="dk1"/>
+          </a:lnRef>
+          <a:fillRef idx="0">
+            <a:schemeClr val="dk1"/>
+          </a:fillRef>
+          <a:effectRef idx="0">
+            <a:schemeClr val="dk1"/>
+          </a:effectRef>
+          <a:fontRef idx="minor">
+            <a:schemeClr val="tx1"/>
+          </a:fontRef>
+        </p:style>
+      </p:cxnSp>
+      <p:sp>
+        <p:nvSpPr>
+          <p:cNvPr id="8" name="文本框 7"/>
+          <p:cNvSpPr txBox="1"/>
+          <p:nvPr/>
+        </p:nvSpPr>
+        <p:spPr>
+          <a:xfrm>
+            <a:off x="426720" y="308610"/>
+            <a:ext cx="6369685" cy="641350"/>
+          </a:xfrm>
+          <a:prstGeom prst="rect">
+            <a:avLst/>
+          </a:prstGeom>
+          <a:noFill/>
+        </p:spPr>
+        <p:txBody>
+          <a:bodyPr wrap="square" rtlCol="0">
+            <a:noAutofit/>
+          </a:bodyPr>
+          <a:p>
+            <a:r>
+              <a:rPr lang="zh-CN" altLang="en-US" sz="2400">
+                <a:sym typeface="+mn-ea"/>
+              </a:rPr>
+              <a:t>求解电路方程</a:t>
+            </a:r>
+            <a:endParaRPr lang="zh-CN" altLang="en-US" sz="2400"/>
+          </a:p>
+          <a:p>
+            <a:endParaRPr lang="zh-CN" altLang="en-US" sz="2400"/>
+          </a:p>
+        </p:txBody>
+      </p:sp>
+      <p:sp>
+        <p:nvSpPr>
+          <p:cNvPr id="23" name="文本框 22"/>
+          <p:cNvSpPr txBox="1"/>
+          <p:nvPr>
+            <p:custDataLst>
+              <p:tags r:id="rId1"/>
+            </p:custDataLst>
+          </p:nvPr>
+        </p:nvSpPr>
+        <p:spPr>
+          <a:xfrm>
+            <a:off x="356870" y="1132205"/>
+            <a:ext cx="3039745" cy="368300"/>
+          </a:xfrm>
+          <a:prstGeom prst="rect">
+            <a:avLst/>
+          </a:prstGeom>
+          <a:noFill/>
+        </p:spPr>
+        <p:txBody>
+          <a:bodyPr wrap="square" rtlCol="0">
+            <a:spAutoFit/>
+          </a:bodyPr>
+          <a:p>
+            <a:r>
+              <a:rPr lang="zh-CN" altLang="en-US"/>
+              <a:t>二、</a:t>
+            </a:r>
+            <a:r>
+              <a:rPr lang="zh-CN" altLang="en-US"/>
+              <a:t>同伦法</a:t>
+            </a:r>
+            <a:endParaRPr lang="zh-CN" altLang="en-US"/>
+          </a:p>
+        </p:txBody>
+      </p:sp>
+      <p:sp>
+        <p:nvSpPr>
+          <p:cNvPr id="2" name="文本框 1"/>
+          <p:cNvSpPr txBox="1"/>
+          <p:nvPr/>
+        </p:nvSpPr>
+        <p:spPr>
+          <a:xfrm>
+            <a:off x="426720" y="1586230"/>
+            <a:ext cx="11233150" cy="3184525"/>
+          </a:xfrm>
+          <a:prstGeom prst="rect">
+            <a:avLst/>
+          </a:prstGeom>
+          <a:noFill/>
+        </p:spPr>
+        <p:txBody>
+          <a:bodyPr wrap="square" rtlCol="0">
+            <a:noAutofit/>
+          </a:bodyPr>
+          <a:p>
+            <a:r>
+              <a:rPr lang="zh-CN" altLang="en-US"/>
+              <a:t>同伦法是另一种用于求解非线性代数方程组的数值方法。</a:t>
+            </a:r>
+            <a:r>
+              <a:rPr lang="zh-CN" altLang="en-US">
+                <a:sym typeface="+mn-ea"/>
+              </a:rPr>
+              <a:t>由于电路方程较为复杂，直接求</a:t>
+            </a:r>
+            <a:r>
+              <a:rPr lang="en-US" altLang="zh-CN">
+                <a:sym typeface="+mn-ea"/>
+              </a:rPr>
+              <a:t>F(x)=0</a:t>
+            </a:r>
+            <a:r>
+              <a:rPr lang="zh-CN" altLang="en-US">
+                <a:sym typeface="+mn-ea"/>
+              </a:rPr>
+              <a:t>不一定得到好的结果，因此通过将参数</a:t>
+            </a:r>
+            <a:r>
+              <a:rPr lang="en-US" altLang="zh-CN">
+                <a:sym typeface="+mn-ea"/>
+              </a:rPr>
+              <a:t> t </a:t>
+            </a:r>
+            <a:r>
+              <a:rPr lang="zh-CN" altLang="en-US">
+                <a:sym typeface="+mn-ea"/>
+              </a:rPr>
+              <a:t>嵌入到F(x)中，可以创建一个同伦函数 H(x, </a:t>
+            </a:r>
+            <a:r>
+              <a:rPr lang="en-US" altLang="zh-CN">
+                <a:sym typeface="+mn-ea"/>
+              </a:rPr>
+              <a:t>t</a:t>
+            </a:r>
+            <a:r>
+              <a:rPr lang="zh-CN" altLang="en-US">
+                <a:sym typeface="+mn-ea"/>
+              </a:rPr>
+              <a:t>)，将其转化为更高维度的方程</a:t>
+            </a:r>
+            <a:r>
+              <a:rPr lang="zh-CN" altLang="en-US"/>
+              <a:t>H(x, </a:t>
+            </a:r>
+            <a:r>
+              <a:rPr lang="en-US" altLang="zh-CN"/>
+              <a:t>t</a:t>
+            </a:r>
+            <a:r>
+              <a:rPr lang="zh-CN" altLang="en-US"/>
+              <a:t>) = 0。当 </a:t>
+            </a:r>
+            <a:r>
+              <a:rPr lang="en-US" altLang="zh-CN"/>
+              <a:t>t</a:t>
+            </a:r>
+            <a:r>
+              <a:rPr lang="zh-CN" altLang="en-US"/>
+              <a:t> = 0 时，</a:t>
+            </a:r>
+            <a:r>
+              <a:rPr lang="en-US" altLang="zh-CN"/>
+              <a:t>H(x, 0) = 0</a:t>
+            </a:r>
+            <a:r>
+              <a:rPr lang="zh-CN" altLang="en-US"/>
+              <a:t>（G(x) = 0）</a:t>
+            </a:r>
+            <a:r>
+              <a:rPr lang="en-US" altLang="zh-CN"/>
+              <a:t>，是一个容易求解的方程。当 t = 1 时，H(x, 1) = 0(F(x) = 0)，就是原始问题。一个同伦函数的示例是：</a:t>
+            </a:r>
+            <a:r>
+              <a:rPr lang="en-US" altLang="zh-CN">
+                <a:solidFill>
+                  <a:srgbClr val="FF0000"/>
+                </a:solidFill>
+              </a:rPr>
+              <a:t>H(x, t) = (1 - t)G(x) + tF(x)</a:t>
+            </a:r>
+            <a:r>
+              <a:rPr lang="en-US" altLang="zh-CN"/>
+              <a:t>，通过跟随 t 从0到1变化时的H(x, λ) = 0的解，</a:t>
+            </a:r>
+            <a:r>
+              <a:rPr lang="zh-CN" altLang="en-US"/>
+              <a:t>就</a:t>
+            </a:r>
+            <a:r>
+              <a:rPr lang="en-US" altLang="zh-CN"/>
+              <a:t>可以得到 F(x) = 0 的解。</a:t>
+            </a:r>
+            <a:endParaRPr lang="en-US" altLang="zh-CN"/>
+          </a:p>
+        </p:txBody>
+      </p:sp>
+      <p:sp>
+        <p:nvSpPr>
+          <p:cNvPr id="3" name="文本框 2"/>
+          <p:cNvSpPr txBox="1"/>
+          <p:nvPr/>
+        </p:nvSpPr>
+        <p:spPr>
+          <a:xfrm>
+            <a:off x="426720" y="3244850"/>
+            <a:ext cx="11136630" cy="2306955"/>
+          </a:xfrm>
+          <a:prstGeom prst="rect">
+            <a:avLst/>
+          </a:prstGeom>
+          <a:noFill/>
+        </p:spPr>
+        <p:txBody>
+          <a:bodyPr wrap="square" rtlCol="0">
+            <a:spAutoFit/>
+          </a:bodyPr>
+          <a:p>
+            <a:r>
+              <a:rPr lang="zh-CN" altLang="en-US"/>
+              <a:t>理解：在同伦方法中，随着参数</a:t>
+            </a:r>
+            <a:r>
+              <a:rPr lang="en-US" altLang="zh-CN"/>
+              <a:t> t </a:t>
+            </a:r>
+            <a:r>
+              <a:rPr lang="zh-CN" altLang="en-US"/>
+              <a:t>的变化，通常会利用前一轮求解得到的解作为初始值来计算下一轮的解（当</a:t>
+            </a:r>
+            <a:r>
+              <a:rPr lang="en-US" altLang="zh-CN"/>
+              <a:t>t</a:t>
+            </a:r>
+            <a:r>
+              <a:rPr lang="zh-CN" altLang="en-US"/>
+              <a:t>更新后，用前一轮迭代的收敛解作为新一轮迭代的起始点，因为这个解已经接近目标解。通过使用接近目标解的初始值，可以加快收敛速度并提高迭代的效率。）。起初，在 </a:t>
+            </a:r>
+            <a:r>
+              <a:rPr lang="en-US" altLang="zh-CN"/>
+              <a:t>t</a:t>
+            </a:r>
+            <a:r>
+              <a:rPr lang="zh-CN" altLang="en-US"/>
+              <a:t> = 0 的情况下，通过简化的方程</a:t>
+            </a:r>
+            <a:r>
+              <a:rPr lang="en-US" altLang="zh-CN"/>
+              <a:t>(G(x))</a:t>
+            </a:r>
+            <a:r>
+              <a:rPr lang="zh-CN" altLang="en-US"/>
+              <a:t>来求解，获得一个初始解。然后，在每一轮中，我们使用上一轮求解得到的解作为初始值，并根据同伦函数 H(x, </a:t>
+            </a:r>
+            <a:r>
+              <a:rPr lang="en-US" altLang="zh-CN"/>
+              <a:t>t</a:t>
+            </a:r>
+            <a:r>
+              <a:rPr lang="zh-CN" altLang="en-US"/>
+              <a:t>) = 0 进行迭代计算新的解。这种迭代过程可以使用各种数值方法，这里用的是牛顿法。通过逐步增加</a:t>
+            </a:r>
+            <a:r>
+              <a:rPr lang="en-US" altLang="zh-CN"/>
+              <a:t> t </a:t>
+            </a:r>
+            <a:r>
+              <a:rPr lang="zh-CN" altLang="en-US"/>
+              <a:t>的值，</a:t>
+            </a:r>
+            <a:r>
+              <a:rPr lang="zh-CN" altLang="en-US"/>
+              <a:t>来逐渐逼近原始问题的解。</a:t>
+            </a:r>
+            <a:r>
+              <a:rPr lang="en-US" altLang="zh-CN"/>
+              <a:t>t</a:t>
+            </a:r>
+            <a:r>
+              <a:rPr lang="zh-CN" altLang="en-US"/>
+              <a:t> 的值按步长逐渐增加，对于雅可比矩阵不需要计算关于</a:t>
+            </a:r>
+            <a:r>
+              <a:rPr lang="en-US" altLang="zh-CN"/>
+              <a:t>t</a:t>
+            </a:r>
+            <a:r>
+              <a:rPr lang="zh-CN" altLang="en-US"/>
+              <a:t> 的偏导数。只需要计算并利用 H(x, </a:t>
+            </a:r>
+            <a:r>
+              <a:rPr lang="en-US" altLang="zh-CN"/>
+              <a:t>t</a:t>
+            </a:r>
+            <a:r>
+              <a:rPr lang="zh-CN" altLang="en-US"/>
+              <a:t>) 对 x 的偏导数，将其作为求解方程组的雅可比矩阵，使用牛顿迭代法进行迭代计算。</a:t>
+            </a:r>
+            <a:endParaRPr lang="zh-CN" altLang="en-US"/>
+          </a:p>
+          <a:p>
+            <a:endParaRPr lang="zh-CN" altLang="en-US"/>
+          </a:p>
+        </p:txBody>
+      </p:sp>
+    </p:spTree>
+    <p:custDataLst>
+      <p:tags r:id="rId2"/>
+    </p:custDataLst>
+  </p:cSld>
+  <p:clrMapOvr>
+    <a:masterClrMapping/>
+  </p:clrMapOvr>
+</p:sld>
+</file>
+
 <file path=ppt/slides/slide22.xml><?xml version="1.0" encoding="utf-8"?>
 <p:sld xmlns:a="http://schemas.openxmlformats.org/drawingml/2006/main" xmlns:r="http://schemas.openxmlformats.org/officeDocument/2006/relationships" xmlns:p="http://schemas.openxmlformats.org/presentationml/2006/main">
   <p:cSld>
@@ -10122,9 +10472,535 @@
           </a:p>
         </p:txBody>
       </p:sp>
+      <p:sp>
+        <p:nvSpPr>
+          <p:cNvPr id="2" name="文本框 1"/>
+          <p:cNvSpPr txBox="1"/>
+          <p:nvPr/>
+        </p:nvSpPr>
+        <p:spPr>
+          <a:xfrm>
+            <a:off x="426720" y="1586230"/>
+            <a:ext cx="11233150" cy="3184525"/>
+          </a:xfrm>
+          <a:prstGeom prst="rect">
+            <a:avLst/>
+          </a:prstGeom>
+          <a:noFill/>
+        </p:spPr>
+        <p:txBody>
+          <a:bodyPr wrap="square" rtlCol="0">
+            <a:noAutofit/>
+          </a:bodyPr>
+          <a:p>
+            <a:r>
+              <a:rPr lang="zh-CN" altLang="en-US"/>
+              <a:t>在同伦法中，每个</a:t>
+            </a:r>
+            <a:r>
+              <a:rPr lang="en-US" altLang="zh-CN"/>
+              <a:t> t </a:t>
+            </a:r>
+            <a:r>
+              <a:rPr lang="zh-CN" altLang="en-US"/>
+              <a:t>下用的还是牛顿迭代法解方程，此时的迭代公式为</a:t>
+            </a:r>
+            <a:r>
+              <a:rPr lang="en-US" altLang="zh-CN">
+                <a:solidFill>
+                  <a:srgbClr val="FF0000"/>
+                </a:solidFill>
+              </a:rPr>
+              <a:t>x</a:t>
+            </a:r>
+            <a:r>
+              <a:rPr lang="en-US" altLang="zh-CN" baseline="-25000">
+                <a:solidFill>
+                  <a:srgbClr val="FF0000"/>
+                </a:solidFill>
+              </a:rPr>
+              <a:t>k+1</a:t>
+            </a:r>
+            <a:r>
+              <a:rPr lang="en-US" altLang="zh-CN">
+                <a:solidFill>
+                  <a:srgbClr val="FF0000"/>
+                </a:solidFill>
+              </a:rPr>
+              <a:t>=x</a:t>
+            </a:r>
+            <a:r>
+              <a:rPr lang="en-US" altLang="zh-CN" baseline="-25000">
+                <a:solidFill>
+                  <a:srgbClr val="FF0000"/>
+                </a:solidFill>
+              </a:rPr>
+              <a:t>k</a:t>
+            </a:r>
+            <a:r>
+              <a:rPr lang="en-US" altLang="zh-CN">
+                <a:solidFill>
+                  <a:srgbClr val="FF0000"/>
+                </a:solidFill>
+              </a:rPr>
+              <a:t>-J</a:t>
+            </a:r>
+            <a:r>
+              <a:rPr lang="en-US" altLang="zh-CN" baseline="30000">
+                <a:solidFill>
+                  <a:srgbClr val="FF0000"/>
+                </a:solidFill>
+              </a:rPr>
+              <a:t>-1</a:t>
+            </a:r>
+            <a:r>
+              <a:rPr lang="en-US" altLang="zh-CN">
+                <a:solidFill>
+                  <a:srgbClr val="FF0000"/>
+                </a:solidFill>
+              </a:rPr>
+              <a:t>(x</a:t>
+            </a:r>
+            <a:r>
+              <a:rPr lang="en-US" altLang="zh-CN" baseline="-25000">
+                <a:solidFill>
+                  <a:srgbClr val="FF0000"/>
+                </a:solidFill>
+              </a:rPr>
+              <a:t>k</a:t>
+            </a:r>
+            <a:r>
+              <a:rPr lang="en-US" altLang="zh-CN">
+                <a:solidFill>
+                  <a:srgbClr val="FF0000"/>
+                </a:solidFill>
+              </a:rPr>
+              <a:t>,t)H(x</a:t>
+            </a:r>
+            <a:r>
+              <a:rPr lang="en-US" altLang="zh-CN" baseline="-25000">
+                <a:solidFill>
+                  <a:srgbClr val="FF0000"/>
+                </a:solidFill>
+              </a:rPr>
+              <a:t>k</a:t>
+            </a:r>
+            <a:r>
+              <a:rPr lang="en-US" altLang="zh-CN">
+                <a:solidFill>
+                  <a:srgbClr val="FF0000"/>
+                </a:solidFill>
+              </a:rPr>
+              <a:t>,t)</a:t>
+            </a:r>
+            <a:endParaRPr lang="en-US" altLang="zh-CN">
+              <a:solidFill>
+                <a:srgbClr val="FF0000"/>
+              </a:solidFill>
+            </a:endParaRPr>
+          </a:p>
+          <a:p>
+            <a:r>
+              <a:rPr lang="zh-CN" altLang="en-US">
+                <a:solidFill>
+                  <a:schemeClr val="tx1"/>
+                </a:solidFill>
+              </a:rPr>
+              <a:t>即</a:t>
+            </a:r>
+            <a:endParaRPr lang="en-US" altLang="zh-CN">
+              <a:solidFill>
+                <a:srgbClr val="FF0000"/>
+              </a:solidFill>
+            </a:endParaRPr>
+          </a:p>
+          <a:p>
+            <a:r>
+              <a:rPr lang="en-US" altLang="zh-CN">
+                <a:solidFill>
+                  <a:schemeClr val="tx1"/>
+                </a:solidFill>
+              </a:rPr>
+              <a:t>其中：</a:t>
+            </a:r>
+            <a:endParaRPr lang="en-US" altLang="zh-CN">
+              <a:solidFill>
+                <a:schemeClr val="tx1"/>
+              </a:solidFill>
+            </a:endParaRPr>
+          </a:p>
+          <a:p>
+            <a:r>
+              <a:rPr lang="en-US" altLang="zh-CN">
+                <a:solidFill>
+                  <a:schemeClr val="tx1"/>
+                </a:solidFill>
+              </a:rPr>
+              <a:t>x</a:t>
+            </a:r>
+            <a:r>
+              <a:rPr lang="en-US" altLang="zh-CN" baseline="-25000">
+                <a:solidFill>
+                  <a:schemeClr val="tx1"/>
+                </a:solidFill>
+              </a:rPr>
+              <a:t>k </a:t>
+            </a:r>
+            <a:r>
+              <a:rPr lang="en-US" altLang="zh-CN">
+                <a:solidFill>
+                  <a:schemeClr val="tx1"/>
+                </a:solidFill>
+              </a:rPr>
+              <a:t>是第 k 次迭代的解向量；</a:t>
+            </a:r>
+            <a:endParaRPr lang="en-US" altLang="zh-CN">
+              <a:solidFill>
+                <a:schemeClr val="tx1"/>
+              </a:solidFill>
+            </a:endParaRPr>
+          </a:p>
+          <a:p>
+            <a:r>
+              <a:rPr lang="en-US" altLang="zh-CN">
+                <a:solidFill>
+                  <a:schemeClr val="tx1"/>
+                </a:solidFill>
+              </a:rPr>
+              <a:t>J(x</a:t>
+            </a:r>
+            <a:r>
+              <a:rPr lang="en-US" altLang="zh-CN" baseline="-25000">
+                <a:solidFill>
+                  <a:schemeClr val="tx1"/>
+                </a:solidFill>
+              </a:rPr>
+              <a:t>k</a:t>
+            </a:r>
+            <a:r>
+              <a:rPr lang="en-US" altLang="zh-CN">
+                <a:solidFill>
+                  <a:schemeClr val="tx1"/>
+                </a:solidFill>
+              </a:rPr>
+              <a:t>, t) 是函数 H(x</a:t>
+            </a:r>
+            <a:r>
+              <a:rPr lang="en-US" altLang="zh-CN" baseline="-25000">
+                <a:solidFill>
+                  <a:schemeClr val="tx1"/>
+                </a:solidFill>
+              </a:rPr>
+              <a:t>k</a:t>
+            </a:r>
+            <a:r>
+              <a:rPr lang="en-US" altLang="zh-CN">
+                <a:solidFill>
+                  <a:schemeClr val="tx1"/>
+                </a:solidFill>
+              </a:rPr>
+              <a:t>, t) 关于 x</a:t>
+            </a:r>
+            <a:r>
+              <a:rPr lang="en-US" altLang="zh-CN" baseline="-25000">
+                <a:solidFill>
+                  <a:schemeClr val="tx1"/>
+                </a:solidFill>
+              </a:rPr>
+              <a:t>k</a:t>
+            </a:r>
+            <a:r>
+              <a:rPr lang="en-US" altLang="zh-CN">
+                <a:solidFill>
+                  <a:schemeClr val="tx1"/>
+                </a:solidFill>
+              </a:rPr>
+              <a:t> 的雅可比矩阵；</a:t>
+            </a:r>
+            <a:endParaRPr lang="en-US" altLang="zh-CN">
+              <a:solidFill>
+                <a:schemeClr val="tx1"/>
+              </a:solidFill>
+            </a:endParaRPr>
+          </a:p>
+          <a:p>
+            <a:r>
+              <a:rPr lang="en-US" altLang="zh-CN">
+                <a:solidFill>
+                  <a:schemeClr val="tx1"/>
+                </a:solidFill>
+              </a:rPr>
+              <a:t>H(x</a:t>
+            </a:r>
+            <a:r>
+              <a:rPr lang="en-US" altLang="zh-CN" baseline="-25000">
+                <a:solidFill>
+                  <a:schemeClr val="tx1"/>
+                </a:solidFill>
+              </a:rPr>
+              <a:t>k</a:t>
+            </a:r>
+            <a:r>
+              <a:rPr lang="en-US" altLang="zh-CN">
+                <a:solidFill>
+                  <a:schemeClr val="tx1"/>
+                </a:solidFill>
+              </a:rPr>
+              <a:t>, t) 是同伦函数；</a:t>
+            </a:r>
+            <a:endParaRPr lang="en-US" altLang="zh-CN">
+              <a:solidFill>
+                <a:schemeClr val="tx1"/>
+              </a:solidFill>
+            </a:endParaRPr>
+          </a:p>
+          <a:p>
+            <a:r>
+              <a:rPr lang="en-US" altLang="zh-CN">
+                <a:solidFill>
+                  <a:schemeClr val="tx1"/>
+                </a:solidFill>
+              </a:rPr>
+              <a:t>t 是参数，用于连接简化问题与原始问题。</a:t>
+            </a:r>
+            <a:endParaRPr lang="en-US" altLang="zh-CN">
+              <a:solidFill>
+                <a:schemeClr val="tx1"/>
+              </a:solidFill>
+            </a:endParaRPr>
+          </a:p>
+          <a:p>
+            <a:endParaRPr lang="en-US" altLang="zh-CN">
+              <a:solidFill>
+                <a:schemeClr val="tx1"/>
+              </a:solidFill>
+            </a:endParaRPr>
+          </a:p>
+          <a:p>
+            <a:endParaRPr lang="en-US" altLang="zh-CN">
+              <a:solidFill>
+                <a:schemeClr val="tx1"/>
+              </a:solidFill>
+            </a:endParaRPr>
+          </a:p>
+        </p:txBody>
+      </p:sp>
+      <p:graphicFrame>
+        <p:nvGraphicFramePr>
+          <p:cNvPr id="4" name="对象 3">
+            <a:hlinkClick r:id="" action="ppaction://ole?verb="/>
+          </p:cNvPr>
+          <p:cNvGraphicFramePr>
+            <a:graphicFrameLocks noChangeAspect="1"/>
+          </p:cNvGraphicFramePr>
+          <p:nvPr/>
+        </p:nvGraphicFramePr>
+        <p:xfrm>
+          <a:off x="6038850" y="3321050"/>
+          <a:ext cx="114300" cy="215900"/>
+        </p:xfrm>
+        <a:graphic>
+          <a:graphicData uri="http://schemas.openxmlformats.org/presentationml/2006/ole">
+            <mc:AlternateContent xmlns:mc="http://schemas.openxmlformats.org/markup-compatibility/2006">
+              <mc:Choice xmlns:v="urn:schemas-microsoft-com:vml" Requires="v">
+                <p:oleObj spid="_x0000_s1025" name="" r:id="rId2" imgW="114300" imgH="215900" progId="Equation.KSEE3">
+                  <p:embed/>
+                </p:oleObj>
+              </mc:Choice>
+              <mc:Fallback>
+                <p:oleObj name="" r:id="rId2" imgW="114300" imgH="215900" progId="Equation.KSEE3">
+                  <p:embed/>
+                  <p:pic>
+                    <p:nvPicPr>
+                      <p:cNvPr id="0" name="图片 1024"/>
+                      <p:cNvPicPr/>
+                      <p:nvPr/>
+                    </p:nvPicPr>
+                    <p:blipFill>
+                      <a:blip r:embed="rId3"/>
+                      <a:stretch>
+                        <a:fillRect/>
+                      </a:stretch>
+                    </p:blipFill>
+                    <p:spPr>
+                      <a:xfrm>
+                        <a:off x="6038850" y="3321050"/>
+                        <a:ext cx="114300" cy="215900"/>
+                      </a:xfrm>
+                      <a:prstGeom prst="rect">
+                        <a:avLst/>
+                      </a:prstGeom>
+                    </p:spPr>
+                  </p:pic>
+                </p:oleObj>
+              </mc:Fallback>
+            </mc:AlternateContent>
+          </a:graphicData>
+        </a:graphic>
+      </p:graphicFrame>
+      <p:graphicFrame>
+        <p:nvGraphicFramePr>
+          <p:cNvPr id="5" name="对象 4">
+            <a:hlinkClick r:id="" action="ppaction://ole?verb="/>
+          </p:cNvPr>
+          <p:cNvGraphicFramePr>
+            <a:graphicFrameLocks noChangeAspect="1"/>
+          </p:cNvGraphicFramePr>
+          <p:nvPr/>
+        </p:nvGraphicFramePr>
+        <p:xfrm>
+          <a:off x="817880" y="1908000"/>
+          <a:ext cx="2143760" cy="357505"/>
+        </p:xfrm>
+        <a:graphic>
+          <a:graphicData uri="http://schemas.openxmlformats.org/presentationml/2006/ole">
+            <mc:AlternateContent xmlns:mc="http://schemas.openxmlformats.org/markup-compatibility/2006">
+              <mc:Choice xmlns:v="urn:schemas-microsoft-com:vml" Requires="v">
+                <p:oleObj spid="_x0000_s1026" name="" r:id="rId4" imgW="1371600" imgH="228600" progId="Equation.KSEE3">
+                  <p:embed/>
+                </p:oleObj>
+              </mc:Choice>
+              <mc:Fallback>
+                <p:oleObj name="" r:id="rId4" imgW="1371600" imgH="228600" progId="Equation.KSEE3">
+                  <p:embed/>
+                  <p:pic>
+                    <p:nvPicPr>
+                      <p:cNvPr id="0" name="图片 1025"/>
+                      <p:cNvPicPr/>
+                      <p:nvPr/>
+                    </p:nvPicPr>
+                    <p:blipFill>
+                      <a:blip r:embed="rId5"/>
+                      <a:stretch>
+                        <a:fillRect/>
+                      </a:stretch>
+                    </p:blipFill>
+                    <p:spPr>
+                      <a:xfrm>
+                        <a:off x="817880" y="1908000"/>
+                        <a:ext cx="2143760" cy="357505"/>
+                      </a:xfrm>
+                      <a:prstGeom prst="rect">
+                        <a:avLst/>
+                      </a:prstGeom>
+                    </p:spPr>
+                  </p:pic>
+                </p:oleObj>
+              </mc:Fallback>
+            </mc:AlternateContent>
+          </a:graphicData>
+        </a:graphic>
+      </p:graphicFrame>
+      <p:pic>
+        <p:nvPicPr>
+          <p:cNvPr id="6" name="图片 5" descr="QQ截图20230912004550"/>
+          <p:cNvPicPr>
+            <a:picLocks noChangeAspect="1"/>
+          </p:cNvPicPr>
+          <p:nvPr/>
+        </p:nvPicPr>
+        <p:blipFill>
+          <a:blip r:embed="rId6"/>
+          <a:stretch>
+            <a:fillRect/>
+          </a:stretch>
+        </p:blipFill>
+        <p:spPr>
+          <a:xfrm>
+            <a:off x="426720" y="3804920"/>
+            <a:ext cx="5928360" cy="2393315"/>
+          </a:xfrm>
+          <a:prstGeom prst="rect">
+            <a:avLst/>
+          </a:prstGeom>
+        </p:spPr>
+      </p:pic>
+      <p:sp>
+        <p:nvSpPr>
+          <p:cNvPr id="9" name="矩形 8"/>
+          <p:cNvSpPr/>
+          <p:nvPr>
+            <p:custDataLst>
+              <p:tags r:id="rId7"/>
+            </p:custDataLst>
+          </p:nvPr>
+        </p:nvSpPr>
+        <p:spPr>
+          <a:xfrm>
+            <a:off x="909320" y="4047490"/>
+            <a:ext cx="4465320" cy="367030"/>
+          </a:xfrm>
+          <a:prstGeom prst="rect">
+            <a:avLst/>
+          </a:prstGeom>
+          <a:noFill/>
+          <a:ln w="44450" cmpd="sng">
+            <a:solidFill>
+              <a:srgbClr val="FF0000"/>
+            </a:solidFill>
+            <a:prstDash val="solid"/>
+          </a:ln>
+        </p:spPr>
+        <p:style>
+          <a:lnRef idx="2">
+            <a:schemeClr val="accent1">
+              <a:shade val="50000"/>
+            </a:schemeClr>
+          </a:lnRef>
+          <a:fillRef idx="1">
+            <a:schemeClr val="accent1"/>
+          </a:fillRef>
+          <a:effectRef idx="0">
+            <a:schemeClr val="accent1"/>
+          </a:effectRef>
+          <a:fontRef idx="minor">
+            <a:schemeClr val="lt1"/>
+          </a:fontRef>
+        </p:style>
+        <p:txBody>
+          <a:bodyPr rtlCol="0" anchor="ctr"/>
+          <a:p>
+            <a:pPr algn="ctr"/>
+            <a:endParaRPr lang="zh-CN" altLang="en-US"/>
+          </a:p>
+        </p:txBody>
+      </p:sp>
+      <p:sp>
+        <p:nvSpPr>
+          <p:cNvPr id="10" name="文本框 9"/>
+          <p:cNvSpPr txBox="1"/>
+          <p:nvPr/>
+        </p:nvSpPr>
+        <p:spPr>
+          <a:xfrm>
+            <a:off x="5519420" y="4046220"/>
+            <a:ext cx="1950720" cy="368300"/>
+          </a:xfrm>
+          <a:prstGeom prst="rect">
+            <a:avLst/>
+          </a:prstGeom>
+          <a:noFill/>
+        </p:spPr>
+        <p:txBody>
+          <a:bodyPr wrap="square" rtlCol="0">
+            <a:spAutoFit/>
+          </a:bodyPr>
+          <a:p>
+            <a:r>
+              <a:rPr lang="zh-CN" altLang="en-US"/>
+              <a:t>构造</a:t>
+            </a:r>
+            <a:r>
+              <a:rPr lang="zh-CN" altLang="en-US"/>
+              <a:t>同伦函数</a:t>
+            </a:r>
+            <a:endParaRPr lang="zh-CN" altLang="en-US"/>
+          </a:p>
+        </p:txBody>
+      </p:sp>
     </p:spTree>
     <p:custDataLst>
-      <p:tags r:id="rId2"/>
+      <p:tags r:id="rId8"/>
     </p:custDataLst>
   </p:cSld>
   <p:clrMapOvr>
@@ -12952,8 +13828,8 @@
         </p:blipFill>
         <p:spPr>
           <a:xfrm>
-            <a:off x="4608830" y="3221990"/>
-            <a:ext cx="6365875" cy="1538605"/>
+            <a:off x="3416935" y="3006090"/>
+            <a:ext cx="7300595" cy="1764665"/>
           </a:xfrm>
           <a:prstGeom prst="rect">
             <a:avLst/>
@@ -13081,19 +13957,106 @@
           <a:p>
             <a:r>
               <a:rPr lang="zh-CN" altLang="en-US"/>
-              <a:t>（</a:t>
-            </a:r>
-            <a:r>
-              <a:rPr lang="zh-CN" altLang="en-US"/>
-              <a:t>三） N-R迭代法 求解电路方程</a:t>
+              <a:t>（四） </a:t>
+            </a:r>
+            <a:r>
+              <a:rPr lang="zh-CN" altLang="en-US"/>
+              <a:t>同伦法 求解电路方程</a:t>
             </a:r>
             <a:endParaRPr lang="zh-CN" altLang="en-US"/>
           </a:p>
         </p:txBody>
       </p:sp>
+      <p:sp>
+        <p:nvSpPr>
+          <p:cNvPr id="5" name="文本框 4"/>
+          <p:cNvSpPr txBox="1"/>
+          <p:nvPr>
+            <p:custDataLst>
+              <p:tags r:id="rId1"/>
+            </p:custDataLst>
+          </p:nvPr>
+        </p:nvSpPr>
+        <p:spPr>
+          <a:xfrm>
+            <a:off x="299720" y="1645285"/>
+            <a:ext cx="3117215" cy="368300"/>
+          </a:xfrm>
+          <a:prstGeom prst="rect">
+            <a:avLst/>
+          </a:prstGeom>
+          <a:noFill/>
+        </p:spPr>
+        <p:txBody>
+          <a:bodyPr wrap="square" rtlCol="0">
+            <a:spAutoFit/>
+          </a:bodyPr>
+          <a:p>
+            <a:r>
+              <a:rPr lang="en-US" altLang="zh-CN"/>
+              <a:t>case1</a:t>
+            </a:r>
+            <a:endParaRPr lang="en-US" altLang="zh-CN"/>
+          </a:p>
+        </p:txBody>
+      </p:sp>
+      <p:pic>
+        <p:nvPicPr>
+          <p:cNvPr id="3" name="图片 2" descr="QQ图片20230912004400"/>
+          <p:cNvPicPr>
+            <a:picLocks noChangeAspect="1"/>
+          </p:cNvPicPr>
+          <p:nvPr/>
+        </p:nvPicPr>
+        <p:blipFill>
+          <a:blip r:embed="rId2"/>
+          <a:srcRect t="35409" r="56962"/>
+          <a:stretch>
+            <a:fillRect/>
+          </a:stretch>
+        </p:blipFill>
+        <p:spPr>
+          <a:xfrm>
+            <a:off x="426720" y="2056765"/>
+            <a:ext cx="3705860" cy="4386580"/>
+          </a:xfrm>
+          <a:prstGeom prst="rect">
+            <a:avLst/>
+          </a:prstGeom>
+        </p:spPr>
+      </p:pic>
+      <p:pic>
+        <p:nvPicPr>
+          <p:cNvPr id="6" name="图片 5" descr="QQ图片20230912004400"/>
+          <p:cNvPicPr>
+            <a:picLocks noChangeAspect="1"/>
+          </p:cNvPicPr>
+          <p:nvPr>
+            <p:custDataLst>
+              <p:tags r:id="rId3"/>
+            </p:custDataLst>
+          </p:nvPr>
+        </p:nvPicPr>
+        <p:blipFill>
+          <a:blip r:embed="rId2"/>
+          <a:srcRect t="673" r="11991" b="65376"/>
+          <a:stretch>
+            <a:fillRect/>
+          </a:stretch>
+        </p:blipFill>
+        <p:spPr>
+          <a:xfrm>
+            <a:off x="4191000" y="2056765"/>
+            <a:ext cx="7578090" cy="2305685"/>
+          </a:xfrm>
+          <a:prstGeom prst="rect">
+            <a:avLst/>
+          </a:prstGeom>
+        </p:spPr>
+      </p:pic>
     </p:spTree>
     <p:custDataLst>
-      <p:tags r:id="rId1"/>
+      <p:tags r:id="rId4"/>
     </p:custDataLst>
   </p:cSld>
   <p:clrMapOvr>
@@ -13103,268 +14066,6 @@
 </file>
 
 <file path=ppt/slides/slide33.xml><?xml version="1.0" encoding="utf-8"?>
-<p:sld xmlns:a="http://schemas.openxmlformats.org/drawingml/2006/main" xmlns:r="http://schemas.openxmlformats.org/officeDocument/2006/relationships" xmlns:p="http://schemas.openxmlformats.org/presentationml/2006/main">
-  <p:cSld>
-    <p:bg>
-      <p:bgPr>
-        <a:noFill/>
-        <a:effectLst/>
-      </p:bgPr>
-    </p:bg>
-    <p:spTree>
-      <p:nvGrpSpPr>
-        <p:cNvPr id="1" name=""/>
-        <p:cNvGrpSpPr/>
-        <p:nvPr/>
-      </p:nvGrpSpPr>
-      <p:grpSpPr>
-        <a:xfrm>
-          <a:off x="0" y="0"/>
-          <a:ext cx="0" cy="0"/>
-          <a:chOff x="0" y="0"/>
-          <a:chExt cx="0" cy="0"/>
-        </a:xfrm>
-      </p:grpSpPr>
-      <p:cxnSp>
-        <p:nvCxnSpPr>
-          <p:cNvPr id="7" name="直接连接符 6"/>
-          <p:cNvCxnSpPr/>
-          <p:nvPr/>
-        </p:nvCxnSpPr>
-        <p:spPr>
-          <a:xfrm flipV="1">
-            <a:off x="356870" y="936000"/>
-            <a:ext cx="11412000" cy="9525"/>
-          </a:xfrm>
-          <a:prstGeom prst="line">
-            <a:avLst/>
-          </a:prstGeom>
-        </p:spPr>
-        <p:style>
-          <a:lnRef idx="1">
-            <a:schemeClr val="dk1"/>
-          </a:lnRef>
-          <a:fillRef idx="0">
-            <a:schemeClr val="dk1"/>
-          </a:fillRef>
-          <a:effectRef idx="0">
-            <a:schemeClr val="dk1"/>
-          </a:effectRef>
-          <a:fontRef idx="minor">
-            <a:schemeClr val="tx1"/>
-          </a:fontRef>
-        </p:style>
-      </p:cxnSp>
-      <p:sp>
-        <p:nvSpPr>
-          <p:cNvPr id="8" name="文本框 7"/>
-          <p:cNvSpPr txBox="1"/>
-          <p:nvPr/>
-        </p:nvSpPr>
-        <p:spPr>
-          <a:xfrm>
-            <a:off x="426720" y="308610"/>
-            <a:ext cx="6369685" cy="641350"/>
-          </a:xfrm>
-          <a:prstGeom prst="rect">
-            <a:avLst/>
-          </a:prstGeom>
-          <a:noFill/>
-        </p:spPr>
-        <p:txBody>
-          <a:bodyPr wrap="square" rtlCol="0">
-            <a:noAutofit/>
-          </a:bodyPr>
-          <a:p>
-            <a:r>
-              <a:rPr lang="zh-CN" altLang="en-US" sz="2400">
-                <a:sym typeface="+mn-ea"/>
-              </a:rPr>
-              <a:t>结果展示</a:t>
-            </a:r>
-            <a:endParaRPr lang="zh-CN" altLang="en-US" sz="2400"/>
-          </a:p>
-          <a:p>
-            <a:endParaRPr lang="zh-CN" altLang="en-US" sz="2400"/>
-          </a:p>
-        </p:txBody>
-      </p:sp>
-      <p:sp>
-        <p:nvSpPr>
-          <p:cNvPr id="4" name="文本框 3"/>
-          <p:cNvSpPr txBox="1"/>
-          <p:nvPr/>
-        </p:nvSpPr>
-        <p:spPr>
-          <a:xfrm>
-            <a:off x="174625" y="1173480"/>
-            <a:ext cx="6157595" cy="368300"/>
-          </a:xfrm>
-          <a:prstGeom prst="rect">
-            <a:avLst/>
-          </a:prstGeom>
-          <a:noFill/>
-        </p:spPr>
-        <p:txBody>
-          <a:bodyPr wrap="square" rtlCol="0">
-            <a:spAutoFit/>
-          </a:bodyPr>
-          <a:p>
-            <a:r>
-              <a:rPr lang="zh-CN" altLang="en-US"/>
-              <a:t>（</a:t>
-            </a:r>
-            <a:r>
-              <a:rPr lang="zh-CN" altLang="en-US"/>
-              <a:t>三） N-R迭代法 求解电路方程</a:t>
-            </a:r>
-            <a:endParaRPr lang="zh-CN" altLang="en-US"/>
-          </a:p>
-        </p:txBody>
-      </p:sp>
-    </p:spTree>
-    <p:custDataLst>
-      <p:tags r:id="rId1"/>
-    </p:custDataLst>
-  </p:cSld>
-  <p:clrMapOvr>
-    <a:masterClrMapping/>
-  </p:clrMapOvr>
-</p:sld>
-</file>
-
-<file path=ppt/slides/slide34.xml><?xml version="1.0" encoding="utf-8"?>
-<p:sld xmlns:a="http://schemas.openxmlformats.org/drawingml/2006/main" xmlns:r="http://schemas.openxmlformats.org/officeDocument/2006/relationships" xmlns:p="http://schemas.openxmlformats.org/presentationml/2006/main">
-  <p:cSld>
-    <p:bg>
-      <p:bgPr>
-        <a:noFill/>
-        <a:effectLst/>
-      </p:bgPr>
-    </p:bg>
-    <p:spTree>
-      <p:nvGrpSpPr>
-        <p:cNvPr id="1" name=""/>
-        <p:cNvGrpSpPr/>
-        <p:nvPr/>
-      </p:nvGrpSpPr>
-      <p:grpSpPr>
-        <a:xfrm>
-          <a:off x="0" y="0"/>
-          <a:ext cx="0" cy="0"/>
-          <a:chOff x="0" y="0"/>
-          <a:chExt cx="0" cy="0"/>
-        </a:xfrm>
-      </p:grpSpPr>
-      <p:cxnSp>
-        <p:nvCxnSpPr>
-          <p:cNvPr id="7" name="直接连接符 6"/>
-          <p:cNvCxnSpPr/>
-          <p:nvPr/>
-        </p:nvCxnSpPr>
-        <p:spPr>
-          <a:xfrm flipV="1">
-            <a:off x="356870" y="936000"/>
-            <a:ext cx="11412000" cy="9525"/>
-          </a:xfrm>
-          <a:prstGeom prst="line">
-            <a:avLst/>
-          </a:prstGeom>
-        </p:spPr>
-        <p:style>
-          <a:lnRef idx="1">
-            <a:schemeClr val="dk1"/>
-          </a:lnRef>
-          <a:fillRef idx="0">
-            <a:schemeClr val="dk1"/>
-          </a:fillRef>
-          <a:effectRef idx="0">
-            <a:schemeClr val="dk1"/>
-          </a:effectRef>
-          <a:fontRef idx="minor">
-            <a:schemeClr val="tx1"/>
-          </a:fontRef>
-        </p:style>
-      </p:cxnSp>
-      <p:sp>
-        <p:nvSpPr>
-          <p:cNvPr id="8" name="文本框 7"/>
-          <p:cNvSpPr txBox="1"/>
-          <p:nvPr/>
-        </p:nvSpPr>
-        <p:spPr>
-          <a:xfrm>
-            <a:off x="426720" y="308610"/>
-            <a:ext cx="6369685" cy="641350"/>
-          </a:xfrm>
-          <a:prstGeom prst="rect">
-            <a:avLst/>
-          </a:prstGeom>
-          <a:noFill/>
-        </p:spPr>
-        <p:txBody>
-          <a:bodyPr wrap="square" rtlCol="0">
-            <a:noAutofit/>
-          </a:bodyPr>
-          <a:p>
-            <a:r>
-              <a:rPr lang="zh-CN" altLang="en-US" sz="2400">
-                <a:sym typeface="+mn-ea"/>
-              </a:rPr>
-              <a:t>结果展示</a:t>
-            </a:r>
-            <a:endParaRPr lang="zh-CN" altLang="en-US" sz="2400"/>
-          </a:p>
-          <a:p>
-            <a:endParaRPr lang="zh-CN" altLang="en-US" sz="2400"/>
-          </a:p>
-        </p:txBody>
-      </p:sp>
-      <p:sp>
-        <p:nvSpPr>
-          <p:cNvPr id="4" name="文本框 3"/>
-          <p:cNvSpPr txBox="1"/>
-          <p:nvPr/>
-        </p:nvSpPr>
-        <p:spPr>
-          <a:xfrm>
-            <a:off x="174625" y="1173480"/>
-            <a:ext cx="6157595" cy="368300"/>
-          </a:xfrm>
-          <a:prstGeom prst="rect">
-            <a:avLst/>
-          </a:prstGeom>
-          <a:noFill/>
-        </p:spPr>
-        <p:txBody>
-          <a:bodyPr wrap="square" rtlCol="0">
-            <a:spAutoFit/>
-          </a:bodyPr>
-          <a:p>
-            <a:r>
-              <a:rPr lang="zh-CN" altLang="en-US"/>
-              <a:t>（四） </a:t>
-            </a:r>
-            <a:r>
-              <a:rPr lang="zh-CN" altLang="en-US"/>
-              <a:t>同伦法 求解电路方程</a:t>
-            </a:r>
-            <a:endParaRPr lang="zh-CN" altLang="en-US"/>
-          </a:p>
-        </p:txBody>
-      </p:sp>
-    </p:spTree>
-    <p:custDataLst>
-      <p:tags r:id="rId1"/>
-    </p:custDataLst>
-  </p:cSld>
-  <p:clrMapOvr>
-    <a:masterClrMapping/>
-  </p:clrMapOvr>
-</p:sld>
-</file>
-
-<file path=ppt/slides/slide35.xml><?xml version="1.0" encoding="utf-8"?>
 <p:sld xmlns:a="http://schemas.openxmlformats.org/drawingml/2006/main" xmlns:r="http://schemas.openxmlformats.org/officeDocument/2006/relationships" xmlns:p="http://schemas.openxmlformats.org/presentationml/2006/main">
   <p:cSld>
     <p:bg>
@@ -20136,6 +20837,12 @@
 
 <file path=ppt/tags/tag216.xml><?xml version="1.0" encoding="utf-8"?>
 <p:tagLst xmlns:p="http://schemas.openxmlformats.org/presentationml/2006/main">
+  <p:tag name="KSO_WM_BEAUTIFY_FLAG" val=""/>
+</p:tagLst>
+</file>
+
+<file path=ppt/tags/tag217.xml><?xml version="1.0" encoding="utf-8"?>
+<p:tagLst xmlns:p="http://schemas.openxmlformats.org/presentationml/2006/main">
   <p:tag name="KSO_WM_SLIDE_ID" val="custom20205176_1"/>
   <p:tag name="KSO_WM_TEMPLATE_SUBCATEGORY" val="19"/>
   <p:tag name="KSO_WM_TEMPLATE_MASTER_TYPE" val="0"/>
@@ -20155,13 +20862,13 @@
 </p:tagLst>
 </file>
 
-<file path=ppt/tags/tag217.xml><?xml version="1.0" encoding="utf-8"?>
+<file path=ppt/tags/tag218.xml><?xml version="1.0" encoding="utf-8"?>
 <p:tagLst xmlns:p="http://schemas.openxmlformats.org/presentationml/2006/main">
   <p:tag name="KSO_WM_BEAUTIFY_FLAG" val=""/>
 </p:tagLst>
 </file>
 
-<file path=ppt/tags/tag218.xml><?xml version="1.0" encoding="utf-8"?>
+<file path=ppt/tags/tag219.xml><?xml version="1.0" encoding="utf-8"?>
 <p:tagLst xmlns:p="http://schemas.openxmlformats.org/presentationml/2006/main">
   <p:tag name="KSO_WM_SLIDE_ID" val="custom20205176_1"/>
   <p:tag name="KSO_WM_TEMPLATE_SUBCATEGORY" val="19"/>
@@ -20182,12 +20889,6 @@
 </p:tagLst>
 </file>
 
-<file path=ppt/tags/tag219.xml><?xml version="1.0" encoding="utf-8"?>
-<p:tagLst xmlns:p="http://schemas.openxmlformats.org/presentationml/2006/main">
-  <p:tag name="KSO_WM_BEAUTIFY_FLAG" val=""/>
-</p:tagLst>
-</file>
-
 <file path=ppt/tags/tag22.xml><?xml version="1.0" encoding="utf-8"?>
 <p:tagLst xmlns:p="http://schemas.openxmlformats.org/presentationml/2006/main">
   <p:tag name="KSO_WM_UNIT_HIGHLIGHT" val="0"/>
@@ -20224,6 +20925,73 @@
 
 <file path=ppt/tags/tag221.xml><?xml version="1.0" encoding="utf-8"?>
 <p:tagLst xmlns:p="http://schemas.openxmlformats.org/presentationml/2006/main">
+  <p:tag name="KSO_WM_BEAUTIFY_FLAG" val=""/>
+</p:tagLst>
+</file>
+
+<file path=ppt/tags/tag222.xml><?xml version="1.0" encoding="utf-8"?>
+<p:tagLst xmlns:p="http://schemas.openxmlformats.org/presentationml/2006/main">
+  <p:tag name="KSO_WM_BEAUTIFY_FLAG" val=""/>
+</p:tagLst>
+</file>
+
+<file path=ppt/tags/tag223.xml><?xml version="1.0" encoding="utf-8"?>
+<p:tagLst xmlns:p="http://schemas.openxmlformats.org/presentationml/2006/main">
+  <p:tag name="KSO_WM_BEAUTIFY_FLAG" val=""/>
+</p:tagLst>
+</file>
+
+<file path=ppt/tags/tag224.xml><?xml version="1.0" encoding="utf-8"?>
+<p:tagLst xmlns:p="http://schemas.openxmlformats.org/presentationml/2006/main">
+  <p:tag name="KSO_WM_BEAUTIFY_FLAG" val=""/>
+</p:tagLst>
+</file>
+
+<file path=ppt/tags/tag225.xml><?xml version="1.0" encoding="utf-8"?>
+<p:tagLst xmlns:p="http://schemas.openxmlformats.org/presentationml/2006/main">
+  <p:tag name="KSO_WM_BEAUTIFY_FLAG" val=""/>
+</p:tagLst>
+</file>
+
+<file path=ppt/tags/tag226.xml><?xml version="1.0" encoding="utf-8"?>
+<p:tagLst xmlns:p="http://schemas.openxmlformats.org/presentationml/2006/main">
+  <p:tag name="KSO_WM_BEAUTIFY_FLAG" val=""/>
+</p:tagLst>
+</file>
+
+<file path=ppt/tags/tag227.xml><?xml version="1.0" encoding="utf-8"?>
+<p:tagLst xmlns:p="http://schemas.openxmlformats.org/presentationml/2006/main">
+  <p:tag name="KSO_WM_BEAUTIFY_FLAG" val=""/>
+</p:tagLst>
+</file>
+
+<file path=ppt/tags/tag228.xml><?xml version="1.0" encoding="utf-8"?>
+<p:tagLst xmlns:p="http://schemas.openxmlformats.org/presentationml/2006/main">
+  <p:tag name="KSO_WM_BEAUTIFY_FLAG" val=""/>
+</p:tagLst>
+</file>
+
+<file path=ppt/tags/tag229.xml><?xml version="1.0" encoding="utf-8"?>
+<p:tagLst xmlns:p="http://schemas.openxmlformats.org/presentationml/2006/main">
+  <p:tag name="KSO_WM_BEAUTIFY_FLAG" val=""/>
+</p:tagLst>
+</file>
+
+<file path=ppt/tags/tag23.xml><?xml version="1.0" encoding="utf-8"?>
+<p:tagLst xmlns:p="http://schemas.openxmlformats.org/presentationml/2006/main">
+  <p:tag name="KSO_WM_UNIT_HIGHLIGHT" val="0"/>
+  <p:tag name="KSO_WM_UNIT_COMPATIBLE" val="0"/>
+  <p:tag name="KSO_WM_UNIT_DIAGRAM_ISNUMVISUAL" val="0"/>
+  <p:tag name="KSO_WM_UNIT_DIAGRAM_ISREFERUNIT" val="0"/>
+  <p:tag name="KSO_WM_UNIT_ID" val="_5**"/>
+  <p:tag name="KSO_WM_UNIT_LAYERLEVEL" val="1"/>
+  <p:tag name="KSO_WM_TAG_VERSION" val="1.0"/>
+  <p:tag name="KSO_WM_BEAUTIFY_FLAG" val="#wm#"/>
+</p:tagLst>
+</file>
+
+<file path=ppt/tags/tag230.xml><?xml version="1.0" encoding="utf-8"?>
+<p:tagLst xmlns:p="http://schemas.openxmlformats.org/presentationml/2006/main">
   <p:tag name="KSO_WM_SLIDE_ID" val="custom20205176_1"/>
   <p:tag name="KSO_WM_TEMPLATE_SUBCATEGORY" val="19"/>
   <p:tag name="KSO_WM_TEMPLATE_MASTER_TYPE" val="0"/>
@@ -20243,74 +21011,13 @@
 </p:tagLst>
 </file>
 
-<file path=ppt/tags/tag222.xml><?xml version="1.0" encoding="utf-8"?>
+<file path=ppt/tags/tag231.xml><?xml version="1.0" encoding="utf-8"?>
 <p:tagLst xmlns:p="http://schemas.openxmlformats.org/presentationml/2006/main">
   <p:tag name="KSO_WM_BEAUTIFY_FLAG" val=""/>
 </p:tagLst>
 </file>
 
-<file path=ppt/tags/tag223.xml><?xml version="1.0" encoding="utf-8"?>
-<p:tagLst xmlns:p="http://schemas.openxmlformats.org/presentationml/2006/main">
-  <p:tag name="KSO_WM_BEAUTIFY_FLAG" val=""/>
-</p:tagLst>
-</file>
-
-<file path=ppt/tags/tag224.xml><?xml version="1.0" encoding="utf-8"?>
-<p:tagLst xmlns:p="http://schemas.openxmlformats.org/presentationml/2006/main">
-  <p:tag name="KSO_WM_BEAUTIFY_FLAG" val=""/>
-</p:tagLst>
-</file>
-
-<file path=ppt/tags/tag225.xml><?xml version="1.0" encoding="utf-8"?>
-<p:tagLst xmlns:p="http://schemas.openxmlformats.org/presentationml/2006/main">
-  <p:tag name="KSO_WM_BEAUTIFY_FLAG" val=""/>
-</p:tagLst>
-</file>
-
-<file path=ppt/tags/tag226.xml><?xml version="1.0" encoding="utf-8"?>
-<p:tagLst xmlns:p="http://schemas.openxmlformats.org/presentationml/2006/main">
-  <p:tag name="KSO_WM_BEAUTIFY_FLAG" val=""/>
-</p:tagLst>
-</file>
-
-<file path=ppt/tags/tag227.xml><?xml version="1.0" encoding="utf-8"?>
-<p:tagLst xmlns:p="http://schemas.openxmlformats.org/presentationml/2006/main">
-  <p:tag name="KSO_WM_BEAUTIFY_FLAG" val=""/>
-</p:tagLst>
-</file>
-
-<file path=ppt/tags/tag228.xml><?xml version="1.0" encoding="utf-8"?>
-<p:tagLst xmlns:p="http://schemas.openxmlformats.org/presentationml/2006/main">
-  <p:tag name="KSO_WM_BEAUTIFY_FLAG" val=""/>
-</p:tagLst>
-</file>
-
-<file path=ppt/tags/tag229.xml><?xml version="1.0" encoding="utf-8"?>
-<p:tagLst xmlns:p="http://schemas.openxmlformats.org/presentationml/2006/main">
-  <p:tag name="KSO_WM_BEAUTIFY_FLAG" val=""/>
-</p:tagLst>
-</file>
-
-<file path=ppt/tags/tag23.xml><?xml version="1.0" encoding="utf-8"?>
-<p:tagLst xmlns:p="http://schemas.openxmlformats.org/presentationml/2006/main">
-  <p:tag name="KSO_WM_UNIT_HIGHLIGHT" val="0"/>
-  <p:tag name="KSO_WM_UNIT_COMPATIBLE" val="0"/>
-  <p:tag name="KSO_WM_UNIT_DIAGRAM_ISNUMVISUAL" val="0"/>
-  <p:tag name="KSO_WM_UNIT_DIAGRAM_ISREFERUNIT" val="0"/>
-  <p:tag name="KSO_WM_UNIT_ID" val="_5**"/>
-  <p:tag name="KSO_WM_UNIT_LAYERLEVEL" val="1"/>
-  <p:tag name="KSO_WM_TAG_VERSION" val="1.0"/>
-  <p:tag name="KSO_WM_BEAUTIFY_FLAG" val="#wm#"/>
-</p:tagLst>
-</file>
-
-<file path=ppt/tags/tag230.xml><?xml version="1.0" encoding="utf-8"?>
-<p:tagLst xmlns:p="http://schemas.openxmlformats.org/presentationml/2006/main">
-  <p:tag name="KSO_WM_BEAUTIFY_FLAG" val=""/>
-</p:tagLst>
-</file>
-
-<file path=ppt/tags/tag231.xml><?xml version="1.0" encoding="utf-8"?>
+<file path=ppt/tags/tag232.xml><?xml version="1.0" encoding="utf-8"?>
 <p:tagLst xmlns:p="http://schemas.openxmlformats.org/presentationml/2006/main">
   <p:tag name="KSO_WM_SLIDE_ID" val="custom20205176_1"/>
   <p:tag name="KSO_WM_TEMPLATE_SUBCATEGORY" val="19"/>
@@ -20331,13 +21038,19 @@
 </p:tagLst>
 </file>
 
-<file path=ppt/tags/tag232.xml><?xml version="1.0" encoding="utf-8"?>
+<file path=ppt/tags/tag233.xml><?xml version="1.0" encoding="utf-8"?>
 <p:tagLst xmlns:p="http://schemas.openxmlformats.org/presentationml/2006/main">
   <p:tag name="KSO_WM_BEAUTIFY_FLAG" val=""/>
 </p:tagLst>
 </file>
 
-<file path=ppt/tags/tag233.xml><?xml version="1.0" encoding="utf-8"?>
+<file path=ppt/tags/tag234.xml><?xml version="1.0" encoding="utf-8"?>
+<p:tagLst xmlns:p="http://schemas.openxmlformats.org/presentationml/2006/main">
+  <p:tag name="KSO_WM_BEAUTIFY_FLAG" val=""/>
+</p:tagLst>
+</file>
+
+<file path=ppt/tags/tag235.xml><?xml version="1.0" encoding="utf-8"?>
 <p:tagLst xmlns:p="http://schemas.openxmlformats.org/presentationml/2006/main">
   <p:tag name="KSO_WM_SLIDE_ID" val="custom20205176_1"/>
   <p:tag name="KSO_WM_TEMPLATE_SUBCATEGORY" val="19"/>
@@ -20358,19 +21071,19 @@
 </p:tagLst>
 </file>
 
-<file path=ppt/tags/tag234.xml><?xml version="1.0" encoding="utf-8"?>
+<file path=ppt/tags/tag236.xml><?xml version="1.0" encoding="utf-8"?>
 <p:tagLst xmlns:p="http://schemas.openxmlformats.org/presentationml/2006/main">
   <p:tag name="KSO_WM_BEAUTIFY_FLAG" val=""/>
 </p:tagLst>
 </file>
 
-<file path=ppt/tags/tag235.xml><?xml version="1.0" encoding="utf-8"?>
+<file path=ppt/tags/tag237.xml><?xml version="1.0" encoding="utf-8"?>
 <p:tagLst xmlns:p="http://schemas.openxmlformats.org/presentationml/2006/main">
   <p:tag name="KSO_WM_BEAUTIFY_FLAG" val=""/>
 </p:tagLst>
 </file>
 
-<file path=ppt/tags/tag236.xml><?xml version="1.0" encoding="utf-8"?>
+<file path=ppt/tags/tag238.xml><?xml version="1.0" encoding="utf-8"?>
 <p:tagLst xmlns:p="http://schemas.openxmlformats.org/presentationml/2006/main">
   <p:tag name="KSO_WM_SLIDE_ID" val="custom20205176_1"/>
   <p:tag name="KSO_WM_TEMPLATE_SUBCATEGORY" val="19"/>
@@ -20391,13 +21104,26 @@
 </p:tagLst>
 </file>
 
-<file path=ppt/tags/tag237.xml><?xml version="1.0" encoding="utf-8"?>
+<file path=ppt/tags/tag239.xml><?xml version="1.0" encoding="utf-8"?>
 <p:tagLst xmlns:p="http://schemas.openxmlformats.org/presentationml/2006/main">
   <p:tag name="KSO_WM_BEAUTIFY_FLAG" val=""/>
 </p:tagLst>
 </file>
 
-<file path=ppt/tags/tag238.xml><?xml version="1.0" encoding="utf-8"?>
+<file path=ppt/tags/tag24.xml><?xml version="1.0" encoding="utf-8"?>
+<p:tagLst xmlns:p="http://schemas.openxmlformats.org/presentationml/2006/main">
+  <p:tag name="KSO_WM_UNIT_HIGHLIGHT" val="0"/>
+  <p:tag name="KSO_WM_UNIT_COMPATIBLE" val="0"/>
+  <p:tag name="KSO_WM_UNIT_DIAGRAM_ISNUMVISUAL" val="0"/>
+  <p:tag name="KSO_WM_UNIT_DIAGRAM_ISREFERUNIT" val="0"/>
+  <p:tag name="KSO_WM_UNIT_ID" val="_5**"/>
+  <p:tag name="KSO_WM_UNIT_LAYERLEVEL" val="1"/>
+  <p:tag name="KSO_WM_TAG_VERSION" val="1.0"/>
+  <p:tag name="KSO_WM_BEAUTIFY_FLAG" val="#wm#"/>
+</p:tagLst>
+</file>
+
+<file path=ppt/tags/tag240.xml><?xml version="1.0" encoding="utf-8"?>
 <p:tagLst xmlns:p="http://schemas.openxmlformats.org/presentationml/2006/main">
   <p:tag name="KSO_WM_SLIDE_ID" val="custom20205176_1"/>
   <p:tag name="KSO_WM_TEMPLATE_SUBCATEGORY" val="19"/>
@@ -20418,7 +21144,7 @@
 </p:tagLst>
 </file>
 
-<file path=ppt/tags/tag239.xml><?xml version="1.0" encoding="utf-8"?>
+<file path=ppt/tags/tag241.xml><?xml version="1.0" encoding="utf-8"?>
 <p:tagLst xmlns:p="http://schemas.openxmlformats.org/presentationml/2006/main">
   <p:tag name="KSO_WM_SLIDE_ID" val="custom20205176_1"/>
   <p:tag name="KSO_WM_TEMPLATE_SUBCATEGORY" val="19"/>
@@ -20439,26 +21165,13 @@
 </p:tagLst>
 </file>
 
-<file path=ppt/tags/tag24.xml><?xml version="1.0" encoding="utf-8"?>
-<p:tagLst xmlns:p="http://schemas.openxmlformats.org/presentationml/2006/main">
-  <p:tag name="KSO_WM_UNIT_HIGHLIGHT" val="0"/>
-  <p:tag name="KSO_WM_UNIT_COMPATIBLE" val="0"/>
-  <p:tag name="KSO_WM_UNIT_DIAGRAM_ISNUMVISUAL" val="0"/>
-  <p:tag name="KSO_WM_UNIT_DIAGRAM_ISREFERUNIT" val="0"/>
-  <p:tag name="KSO_WM_UNIT_ID" val="_5**"/>
-  <p:tag name="KSO_WM_UNIT_LAYERLEVEL" val="1"/>
-  <p:tag name="KSO_WM_TAG_VERSION" val="1.0"/>
-  <p:tag name="KSO_WM_BEAUTIFY_FLAG" val="#wm#"/>
-</p:tagLst>
-</file>
-
-<file path=ppt/tags/tag240.xml><?xml version="1.0" encoding="utf-8"?>
+<file path=ppt/tags/tag242.xml><?xml version="1.0" encoding="utf-8"?>
 <p:tagLst xmlns:p="http://schemas.openxmlformats.org/presentationml/2006/main">
   <p:tag name="KSO_WM_BEAUTIFY_FLAG" val=""/>
 </p:tagLst>
 </file>
 
-<file path=ppt/tags/tag241.xml><?xml version="1.0" encoding="utf-8"?>
+<file path=ppt/tags/tag243.xml><?xml version="1.0" encoding="utf-8"?>
 <p:tagLst xmlns:p="http://schemas.openxmlformats.org/presentationml/2006/main">
   <p:tag name="KSO_WM_SLIDE_ID" val="custom20205176_1"/>
   <p:tag name="KSO_WM_TEMPLATE_SUBCATEGORY" val="19"/>
@@ -20479,7 +21192,7 @@
 </p:tagLst>
 </file>
 
-<file path=ppt/tags/tag242.xml><?xml version="1.0" encoding="utf-8"?>
+<file path=ppt/tags/tag244.xml><?xml version="1.0" encoding="utf-8"?>
 <p:tagLst xmlns:p="http://schemas.openxmlformats.org/presentationml/2006/main">
   <p:tag name="KSO_WM_SLIDE_ID" val="custom20205176_1"/>
   <p:tag name="KSO_WM_TEMPLATE_SUBCATEGORY" val="19"/>
@@ -20500,7 +21213,7 @@
 </p:tagLst>
 </file>
 
-<file path=ppt/tags/tag243.xml><?xml version="1.0" encoding="utf-8"?>
+<file path=ppt/tags/tag245.xml><?xml version="1.0" encoding="utf-8"?>
 <p:tagLst xmlns:p="http://schemas.openxmlformats.org/presentationml/2006/main">
   <p:tag name="KSO_WM_SLIDE_ID" val="custom20205176_1"/>
   <p:tag name="KSO_WM_TEMPLATE_SUBCATEGORY" val="19"/>
@@ -20521,7 +21234,7 @@
 </p:tagLst>
 </file>
 
-<file path=ppt/tags/tag244.xml><?xml version="1.0" encoding="utf-8"?>
+<file path=ppt/tags/tag246.xml><?xml version="1.0" encoding="utf-8"?>
 <p:tagLst xmlns:p="http://schemas.openxmlformats.org/presentationml/2006/main">
   <p:tag name="KSO_WM_SLIDE_ID" val="custom20205176_1"/>
   <p:tag name="KSO_WM_TEMPLATE_SUBCATEGORY" val="19"/>
@@ -20542,7 +21255,7 @@
 </p:tagLst>
 </file>
 
-<file path=ppt/tags/tag245.xml><?xml version="1.0" encoding="utf-8"?>
+<file path=ppt/tags/tag247.xml><?xml version="1.0" encoding="utf-8"?>
 <p:tagLst xmlns:p="http://schemas.openxmlformats.org/presentationml/2006/main">
   <p:tag name="KSO_WM_SLIDE_ID" val="custom20205176_1"/>
   <p:tag name="KSO_WM_TEMPLATE_SUBCATEGORY" val="19"/>
@@ -20563,19 +21276,32 @@
 </p:tagLst>
 </file>
 
-<file path=ppt/tags/tag246.xml><?xml version="1.0" encoding="utf-8"?>
+<file path=ppt/tags/tag248.xml><?xml version="1.0" encoding="utf-8"?>
 <p:tagLst xmlns:p="http://schemas.openxmlformats.org/presentationml/2006/main">
   <p:tag name="KSO_WM_BEAUTIFY_FLAG" val=""/>
 </p:tagLst>
 </file>
 
-<file path=ppt/tags/tag247.xml><?xml version="1.0" encoding="utf-8"?>
+<file path=ppt/tags/tag249.xml><?xml version="1.0" encoding="utf-8"?>
 <p:tagLst xmlns:p="http://schemas.openxmlformats.org/presentationml/2006/main">
   <p:tag name="KSO_WM_BEAUTIFY_FLAG" val=""/>
 </p:tagLst>
 </file>
 
-<file path=ppt/tags/tag248.xml><?xml version="1.0" encoding="utf-8"?>
+<file path=ppt/tags/tag25.xml><?xml version="1.0" encoding="utf-8"?>
+<p:tagLst xmlns:p="http://schemas.openxmlformats.org/presentationml/2006/main">
+  <p:tag name="KSO_WM_UNIT_HIGHLIGHT" val="0"/>
+  <p:tag name="KSO_WM_UNIT_COMPATIBLE" val="0"/>
+  <p:tag name="KSO_WM_UNIT_DIAGRAM_ISNUMVISUAL" val="0"/>
+  <p:tag name="KSO_WM_UNIT_DIAGRAM_ISREFERUNIT" val="0"/>
+  <p:tag name="KSO_WM_UNIT_ID" val="_5**"/>
+  <p:tag name="KSO_WM_UNIT_LAYERLEVEL" val="1"/>
+  <p:tag name="KSO_WM_TAG_VERSION" val="1.0"/>
+  <p:tag name="KSO_WM_BEAUTIFY_FLAG" val="#wm#"/>
+</p:tagLst>
+</file>
+
+<file path=ppt/tags/tag250.xml><?xml version="1.0" encoding="utf-8"?>
 <p:tagLst xmlns:p="http://schemas.openxmlformats.org/presentationml/2006/main">
   <p:tag name="KSO_WM_SLIDE_ID" val="custom20205176_1"/>
   <p:tag name="KSO_WM_TEMPLATE_SUBCATEGORY" val="19"/>
@@ -20596,7 +21322,19 @@
 </p:tagLst>
 </file>
 
-<file path=ppt/tags/tag249.xml><?xml version="1.0" encoding="utf-8"?>
+<file path=ppt/tags/tag251.xml><?xml version="1.0" encoding="utf-8"?>
+<p:tagLst xmlns:p="http://schemas.openxmlformats.org/presentationml/2006/main">
+  <p:tag name="KSO_WM_BEAUTIFY_FLAG" val=""/>
+</p:tagLst>
+</file>
+
+<file path=ppt/tags/tag252.xml><?xml version="1.0" encoding="utf-8"?>
+<p:tagLst xmlns:p="http://schemas.openxmlformats.org/presentationml/2006/main">
+  <p:tag name="KSO_WM_BEAUTIFY_FLAG" val=""/>
+</p:tagLst>
+</file>
+
+<file path=ppt/tags/tag253.xml><?xml version="1.0" encoding="utf-8"?>
 <p:tagLst xmlns:p="http://schemas.openxmlformats.org/presentationml/2006/main">
   <p:tag name="KSO_WM_SLIDE_ID" val="custom20205176_1"/>
   <p:tag name="KSO_WM_TEMPLATE_SUBCATEGORY" val="19"/>
@@ -20617,20 +21355,7 @@
 </p:tagLst>
 </file>
 
-<file path=ppt/tags/tag25.xml><?xml version="1.0" encoding="utf-8"?>
-<p:tagLst xmlns:p="http://schemas.openxmlformats.org/presentationml/2006/main">
-  <p:tag name="KSO_WM_UNIT_HIGHLIGHT" val="0"/>
-  <p:tag name="KSO_WM_UNIT_COMPATIBLE" val="0"/>
-  <p:tag name="KSO_WM_UNIT_DIAGRAM_ISNUMVISUAL" val="0"/>
-  <p:tag name="KSO_WM_UNIT_DIAGRAM_ISREFERUNIT" val="0"/>
-  <p:tag name="KSO_WM_UNIT_ID" val="_5**"/>
-  <p:tag name="KSO_WM_UNIT_LAYERLEVEL" val="1"/>
-  <p:tag name="KSO_WM_TAG_VERSION" val="1.0"/>
-  <p:tag name="KSO_WM_BEAUTIFY_FLAG" val="#wm#"/>
-</p:tagLst>
-</file>
-
-<file path=ppt/tags/tag250.xml><?xml version="1.0" encoding="utf-8"?>
+<file path=ppt/tags/tag254.xml><?xml version="1.0" encoding="utf-8"?>
 <p:tagLst xmlns:p="http://schemas.openxmlformats.org/presentationml/2006/main">
   <p:tag name="KSO_WM_SLIDE_ID" val="custom20205176_1"/>
   <p:tag name="KSO_WM_TEMPLATE_SUBCATEGORY" val="19"/>
@@ -20651,49 +21376,7 @@
 </p:tagLst>
 </file>
 
-<file path=ppt/tags/tag251.xml><?xml version="1.0" encoding="utf-8"?>
-<p:tagLst xmlns:p="http://schemas.openxmlformats.org/presentationml/2006/main">
-  <p:tag name="KSO_WM_SLIDE_ID" val="custom20205176_1"/>
-  <p:tag name="KSO_WM_TEMPLATE_SUBCATEGORY" val="19"/>
-  <p:tag name="KSO_WM_TEMPLATE_MASTER_TYPE" val="0"/>
-  <p:tag name="KSO_WM_TEMPLATE_COLOR_TYPE" val="1"/>
-  <p:tag name="KSO_WM_SLIDE_TYPE" val="title"/>
-  <p:tag name="KSO_WM_SLIDE_SUBTYPE" val="defaultBlank"/>
-  <p:tag name="KSO_WM_SLIDE_ITEM_CNT" val="0"/>
-  <p:tag name="KSO_WM_SLIDE_INDEX" val="1"/>
-  <p:tag name="KSO_WM_TAG_VERSION" val="1.0"/>
-  <p:tag name="KSO_WM_BEAUTIFY_FLAG" val="#wm#"/>
-  <p:tag name="KSO_WM_TEMPLATE_CATEGORY" val="custom"/>
-  <p:tag name="KSO_WM_TEMPLATE_INDEX" val="20205176"/>
-  <p:tag name="KSO_WM_SLIDE_LAYOUT" val="a_b"/>
-  <p:tag name="KSO_WM_SLIDE_LAYOUT_CNT" val="1_1"/>
-  <p:tag name="KSO_WM_UNIT_SHOW_EDIT_AREA_INDICATION" val="1"/>
-  <p:tag name="KSO_WM_TEMPLATE_THUMBS_INDEX" val="1、4、7、12、13、14、15、16、17、18、20、24、25、28、33、36、40、43、44"/>
-</p:tagLst>
-</file>
-
-<file path=ppt/tags/tag252.xml><?xml version="1.0" encoding="utf-8"?>
-<p:tagLst xmlns:p="http://schemas.openxmlformats.org/presentationml/2006/main">
-  <p:tag name="KSO_WM_SLIDE_ID" val="custom20205176_1"/>
-  <p:tag name="KSO_WM_TEMPLATE_SUBCATEGORY" val="19"/>
-  <p:tag name="KSO_WM_TEMPLATE_MASTER_TYPE" val="0"/>
-  <p:tag name="KSO_WM_TEMPLATE_COLOR_TYPE" val="1"/>
-  <p:tag name="KSO_WM_SLIDE_TYPE" val="title"/>
-  <p:tag name="KSO_WM_SLIDE_SUBTYPE" val="defaultBlank"/>
-  <p:tag name="KSO_WM_SLIDE_ITEM_CNT" val="0"/>
-  <p:tag name="KSO_WM_SLIDE_INDEX" val="1"/>
-  <p:tag name="KSO_WM_TAG_VERSION" val="1.0"/>
-  <p:tag name="KSO_WM_BEAUTIFY_FLAG" val="#wm#"/>
-  <p:tag name="KSO_WM_TEMPLATE_CATEGORY" val="custom"/>
-  <p:tag name="KSO_WM_TEMPLATE_INDEX" val="20205176"/>
-  <p:tag name="KSO_WM_SLIDE_LAYOUT" val="a_b"/>
-  <p:tag name="KSO_WM_SLIDE_LAYOUT_CNT" val="1_1"/>
-  <p:tag name="KSO_WM_UNIT_SHOW_EDIT_AREA_INDICATION" val="1"/>
-  <p:tag name="KSO_WM_TEMPLATE_THUMBS_INDEX" val="1、4、7、12、13、14、15、16、17、18、20、24、25、28、33、36、40、43、44"/>
-</p:tagLst>
-</file>
-
-<file path=ppt/tags/tag253.xml><?xml version="1.0" encoding="utf-8"?>
+<file path=ppt/tags/tag255.xml><?xml version="1.0" encoding="utf-8"?>
 <p:tagLst xmlns:p="http://schemas.openxmlformats.org/presentationml/2006/main">
   <p:tag name="COMMONDATA" val="eyJoZGlkIjoiNjg1OGI2NDQxMTc5N2JmMjVkNmE3MDY0Yjk4NmM0MWMifQ=="/>
   <p:tag name="KSO_WPP_MARK_KEY" val="4f2b4e7b-8293-442a-983f-005697bc7c1e"/>
